--- a/input/shapes.pptx
+++ b/input/shapes.pptx
@@ -5,12 +5,13 @@
     <p:sldMasterId id="2147483648" r:id="rId1"/>
   </p:sldMasterIdLst>
   <p:notesMasterIdLst>
-    <p:notesMasterId r:id="rId5"/>
+    <p:notesMasterId r:id="rId6"/>
   </p:notesMasterIdLst>
   <p:sldIdLst>
     <p:sldId id="256" r:id="rId2"/>
     <p:sldId id="257" r:id="rId3"/>
     <p:sldId id="258" r:id="rId4"/>
+    <p:sldId id="259" r:id="rId5"/>
   </p:sldIdLst>
   <p:sldSz cx="12192000" cy="6858000"/>
   <p:notesSz cx="6858000" cy="9144000"/>
@@ -109,6 +110,11 @@
       </a:defRPr>
     </a:lvl9pPr>
   </p:defaultTextStyle>
+  <p:extLst>
+    <p:ext uri="{EFAFB233-063F-42B5-8137-9DF3F51BA10A}">
+      <p15:sldGuideLst xmlns:p15="http://schemas.microsoft.com/office/powerpoint/2012/main"/>
+    </p:ext>
+  </p:extLst>
 </p:presentation>
 </file>
 
@@ -713,6 +719,97 @@
     <p:extLst>
       <p:ext uri="{BB962C8B-B14F-4D97-AF65-F5344CB8AC3E}">
         <p14:creationId xmlns:p14="http://schemas.microsoft.com/office/powerpoint/2010/main" val="4180521210"/>
+      </p:ext>
+    </p:extLst>
+  </p:cSld>
+  <p:clrMapOvr>
+    <a:masterClrMapping/>
+  </p:clrMapOvr>
+</p:notes>
+</file>
+
+<file path=ppt/notesSlides/notesSlide4.xml><?xml version="1.0" encoding="utf-8"?>
+<p:notes xmlns:a="http://schemas.openxmlformats.org/drawingml/2006/main" xmlns:r="http://schemas.openxmlformats.org/officeDocument/2006/relationships" xmlns:p="http://schemas.openxmlformats.org/presentationml/2006/main">
+  <p:cSld>
+    <p:spTree>
+      <p:nvGrpSpPr>
+        <p:cNvPr id="1" name=""/>
+        <p:cNvGrpSpPr/>
+        <p:nvPr/>
+      </p:nvGrpSpPr>
+      <p:grpSpPr>
+        <a:xfrm>
+          <a:off x="0" y="0"/>
+          <a:ext cx="0" cy="0"/>
+          <a:chOff x="0" y="0"/>
+          <a:chExt cx="0" cy="0"/>
+        </a:xfrm>
+      </p:grpSpPr>
+      <p:sp>
+        <p:nvSpPr>
+          <p:cNvPr id="2" name="Slide Image Placeholder 1"/>
+          <p:cNvSpPr>
+            <a:spLocks noGrp="1" noRot="1" noChangeAspect="1"/>
+          </p:cNvSpPr>
+          <p:nvPr>
+            <p:ph type="sldImg"/>
+          </p:nvPr>
+        </p:nvSpPr>
+        <p:spPr/>
+      </p:sp>
+      <p:sp>
+        <p:nvSpPr>
+          <p:cNvPr id="3" name="Notes Placeholder 2"/>
+          <p:cNvSpPr>
+            <a:spLocks noGrp="1"/>
+          </p:cNvSpPr>
+          <p:nvPr>
+            <p:ph type="body" idx="1"/>
+          </p:nvPr>
+        </p:nvSpPr>
+        <p:spPr/>
+        <p:txBody>
+          <a:bodyPr/>
+          <a:lstStyle/>
+          <a:p>
+            <a:r>
+              <a:rPr lang="en-US" dirty="0"/>
+              <a:t>… random connector </a:t>
+            </a:r>
+            <a:r>
+              <a:rPr lang="en-US"/>
+              <a:t>with arrows.</a:t>
+            </a:r>
+          </a:p>
+        </p:txBody>
+      </p:sp>
+      <p:sp>
+        <p:nvSpPr>
+          <p:cNvPr id="4" name="Slide Number Placeholder 3"/>
+          <p:cNvSpPr>
+            <a:spLocks noGrp="1"/>
+          </p:cNvSpPr>
+          <p:nvPr>
+            <p:ph type="sldNum" sz="quarter" idx="5"/>
+          </p:nvPr>
+        </p:nvSpPr>
+        <p:spPr/>
+        <p:txBody>
+          <a:bodyPr/>
+          <a:lstStyle/>
+          <a:p>
+            <a:fld id="{68D8A56D-57E7-4451-A268-8025FB9ABA7E}" type="slidenum">
+              <a:rPr lang="en-US" smtClean="0"/>
+              <a:t>4</a:t>
+            </a:fld>
+            <a:endParaRPr lang="en-US"/>
+          </a:p>
+        </p:txBody>
+      </p:sp>
+    </p:spTree>
+    <p:extLst>
+      <p:ext uri="{BB962C8B-B14F-4D97-AF65-F5344CB8AC3E}">
+        <p14:creationId xmlns:p14="http://schemas.microsoft.com/office/powerpoint/2010/main" val="2382121905"/>
       </p:ext>
     </p:extLst>
   </p:cSld>
@@ -4288,6 +4385,126 @@
     <p:extLst>
       <p:ext uri="{BB962C8B-B14F-4D97-AF65-F5344CB8AC3E}">
         <p14:creationId xmlns:p14="http://schemas.microsoft.com/office/powerpoint/2010/main" val="1569219947"/>
+      </p:ext>
+    </p:extLst>
+  </p:cSld>
+  <p:clrMapOvr>
+    <a:masterClrMapping/>
+  </p:clrMapOvr>
+</p:sld>
+</file>
+
+<file path=ppt/slides/slide4.xml><?xml version="1.0" encoding="utf-8"?>
+<p:sld xmlns:a="http://schemas.openxmlformats.org/drawingml/2006/main" xmlns:r="http://schemas.openxmlformats.org/officeDocument/2006/relationships" xmlns:p="http://schemas.openxmlformats.org/presentationml/2006/main">
+  <p:cSld>
+    <p:spTree>
+      <p:nvGrpSpPr>
+        <p:cNvPr id="1" name=""/>
+        <p:cNvGrpSpPr/>
+        <p:nvPr/>
+      </p:nvGrpSpPr>
+      <p:grpSpPr>
+        <a:xfrm>
+          <a:off x="0" y="0"/>
+          <a:ext cx="0" cy="0"/>
+          <a:chOff x="0" y="0"/>
+          <a:chExt cx="0" cy="0"/>
+        </a:xfrm>
+      </p:grpSpPr>
+      <p:sp>
+        <p:nvSpPr>
+          <p:cNvPr id="2" name="Title 1">
+            <a:extLst>
+              <a:ext uri="{FF2B5EF4-FFF2-40B4-BE49-F238E27FC236}">
+                <a16:creationId xmlns:a16="http://schemas.microsoft.com/office/drawing/2014/main" id="{1691AA2C-28E4-716E-59C8-FB81BF433EBA}"/>
+              </a:ext>
+            </a:extLst>
+          </p:cNvPr>
+          <p:cNvSpPr>
+            <a:spLocks noGrp="1"/>
+          </p:cNvSpPr>
+          <p:nvPr>
+            <p:ph type="title"/>
+          </p:nvPr>
+        </p:nvSpPr>
+        <p:spPr/>
+        <p:txBody>
+          <a:bodyPr/>
+          <a:lstStyle/>
+          <a:p>
+            <a:endParaRPr lang="en-US"/>
+          </a:p>
+        </p:txBody>
+      </p:sp>
+      <p:sp>
+        <p:nvSpPr>
+          <p:cNvPr id="3" name="Content Placeholder 2">
+            <a:extLst>
+              <a:ext uri="{FF2B5EF4-FFF2-40B4-BE49-F238E27FC236}">
+                <a16:creationId xmlns:a16="http://schemas.microsoft.com/office/drawing/2014/main" id="{71C2AC61-111D-E352-56A9-A0EDEA3FDB51}"/>
+              </a:ext>
+            </a:extLst>
+          </p:cNvPr>
+          <p:cNvSpPr>
+            <a:spLocks noGrp="1"/>
+          </p:cNvSpPr>
+          <p:nvPr>
+            <p:ph idx="1"/>
+          </p:nvPr>
+        </p:nvSpPr>
+        <p:spPr/>
+        <p:txBody>
+          <a:bodyPr/>
+          <a:lstStyle/>
+          <a:p>
+            <a:endParaRPr lang="en-US"/>
+          </a:p>
+        </p:txBody>
+      </p:sp>
+      <p:cxnSp>
+        <p:nvCxnSpPr>
+          <p:cNvPr id="5" name="Connector: Curved 4">
+            <a:extLst>
+              <a:ext uri="{FF2B5EF4-FFF2-40B4-BE49-F238E27FC236}">
+                <a16:creationId xmlns:a16="http://schemas.microsoft.com/office/drawing/2014/main" id="{4C986079-86D2-C5AD-82A3-F0FAB1CE3B81}"/>
+              </a:ext>
+            </a:extLst>
+          </p:cNvPr>
+          <p:cNvCxnSpPr/>
+          <p:nvPr/>
+        </p:nvCxnSpPr>
+        <p:spPr>
+          <a:xfrm>
+            <a:off x="2895600" y="2197768"/>
+            <a:ext cx="6448926" cy="2318085"/>
+          </a:xfrm>
+          <a:prstGeom prst="curvedConnector3">
+            <a:avLst/>
+          </a:prstGeom>
+          <a:ln w="57150">
+            <a:headEnd type="triangle"/>
+            <a:tailEnd type="triangle"/>
+          </a:ln>
+        </p:spPr>
+        <p:style>
+          <a:lnRef idx="2">
+            <a:schemeClr val="accent1"/>
+          </a:lnRef>
+          <a:fillRef idx="0">
+            <a:schemeClr val="accent1"/>
+          </a:fillRef>
+          <a:effectRef idx="1">
+            <a:schemeClr val="accent1"/>
+          </a:effectRef>
+          <a:fontRef idx="minor">
+            <a:schemeClr val="tx1"/>
+          </a:fontRef>
+        </p:style>
+      </p:cxnSp>
+    </p:spTree>
+    <p:extLst>
+      <p:ext uri="{BB962C8B-B14F-4D97-AF65-F5344CB8AC3E}">
+        <p14:creationId xmlns:p14="http://schemas.microsoft.com/office/powerpoint/2010/main" val="3157834915"/>
       </p:ext>
     </p:extLst>
   </p:cSld>

--- a/input/shapes.pptx
+++ b/input/shapes.pptx
@@ -5,13 +5,12 @@
     <p:sldMasterId id="2147483648" r:id="rId1"/>
   </p:sldMasterIdLst>
   <p:notesMasterIdLst>
-    <p:notesMasterId r:id="rId6"/>
+    <p:notesMasterId r:id="rId5"/>
   </p:notesMasterIdLst>
   <p:sldIdLst>
     <p:sldId id="256" r:id="rId2"/>
     <p:sldId id="257" r:id="rId3"/>
     <p:sldId id="258" r:id="rId4"/>
-    <p:sldId id="259" r:id="rId5"/>
   </p:sldIdLst>
   <p:sldSz cx="12192000" cy="6858000"/>
   <p:notesSz cx="6858000" cy="9144000"/>
@@ -200,7 +199,7 @@
           <a:p>
             <a:fld id="{277CFCE7-5604-4297-BF00-76C43D50AE14}" type="datetimeFigureOut">
               <a:rPr lang="en-US" smtClean="0"/>
-              <a:t>3/27/2025</a:t>
+              <a:t>3/28/2025</a:t>
             </a:fld>
             <a:endParaRPr lang="en-US"/>
           </a:p>
@@ -728,97 +727,6 @@
 </p:notes>
 </file>
 
-<file path=ppt/notesSlides/notesSlide4.xml><?xml version="1.0" encoding="utf-8"?>
-<p:notes xmlns:a="http://schemas.openxmlformats.org/drawingml/2006/main" xmlns:r="http://schemas.openxmlformats.org/officeDocument/2006/relationships" xmlns:p="http://schemas.openxmlformats.org/presentationml/2006/main">
-  <p:cSld>
-    <p:spTree>
-      <p:nvGrpSpPr>
-        <p:cNvPr id="1" name=""/>
-        <p:cNvGrpSpPr/>
-        <p:nvPr/>
-      </p:nvGrpSpPr>
-      <p:grpSpPr>
-        <a:xfrm>
-          <a:off x="0" y="0"/>
-          <a:ext cx="0" cy="0"/>
-          <a:chOff x="0" y="0"/>
-          <a:chExt cx="0" cy="0"/>
-        </a:xfrm>
-      </p:grpSpPr>
-      <p:sp>
-        <p:nvSpPr>
-          <p:cNvPr id="2" name="Slide Image Placeholder 1"/>
-          <p:cNvSpPr>
-            <a:spLocks noGrp="1" noRot="1" noChangeAspect="1"/>
-          </p:cNvSpPr>
-          <p:nvPr>
-            <p:ph type="sldImg"/>
-          </p:nvPr>
-        </p:nvSpPr>
-        <p:spPr/>
-      </p:sp>
-      <p:sp>
-        <p:nvSpPr>
-          <p:cNvPr id="3" name="Notes Placeholder 2"/>
-          <p:cNvSpPr>
-            <a:spLocks noGrp="1"/>
-          </p:cNvSpPr>
-          <p:nvPr>
-            <p:ph type="body" idx="1"/>
-          </p:nvPr>
-        </p:nvSpPr>
-        <p:spPr/>
-        <p:txBody>
-          <a:bodyPr/>
-          <a:lstStyle/>
-          <a:p>
-            <a:r>
-              <a:rPr lang="en-US" dirty="0"/>
-              <a:t>… random connector </a:t>
-            </a:r>
-            <a:r>
-              <a:rPr lang="en-US"/>
-              <a:t>with arrows.</a:t>
-            </a:r>
-          </a:p>
-        </p:txBody>
-      </p:sp>
-      <p:sp>
-        <p:nvSpPr>
-          <p:cNvPr id="4" name="Slide Number Placeholder 3"/>
-          <p:cNvSpPr>
-            <a:spLocks noGrp="1"/>
-          </p:cNvSpPr>
-          <p:nvPr>
-            <p:ph type="sldNum" sz="quarter" idx="5"/>
-          </p:nvPr>
-        </p:nvSpPr>
-        <p:spPr/>
-        <p:txBody>
-          <a:bodyPr/>
-          <a:lstStyle/>
-          <a:p>
-            <a:fld id="{68D8A56D-57E7-4451-A268-8025FB9ABA7E}" type="slidenum">
-              <a:rPr lang="en-US" smtClean="0"/>
-              <a:t>4</a:t>
-            </a:fld>
-            <a:endParaRPr lang="en-US"/>
-          </a:p>
-        </p:txBody>
-      </p:sp>
-    </p:spTree>
-    <p:extLst>
-      <p:ext uri="{BB962C8B-B14F-4D97-AF65-F5344CB8AC3E}">
-        <p14:creationId xmlns:p14="http://schemas.microsoft.com/office/powerpoint/2010/main" val="2382121905"/>
-      </p:ext>
-    </p:extLst>
-  </p:cSld>
-  <p:clrMapOvr>
-    <a:masterClrMapping/>
-  </p:clrMapOvr>
-</p:notes>
-</file>
-
 <file path=ppt/slideLayouts/slideLayout1.xml><?xml version="1.0" encoding="utf-8"?>
 <p:sldLayout xmlns:a="http://schemas.openxmlformats.org/drawingml/2006/main" xmlns:r="http://schemas.openxmlformats.org/officeDocument/2006/relationships" xmlns:p="http://schemas.openxmlformats.org/presentationml/2006/main" type="title" preserve="1">
   <p:cSld name="Title Slide">
@@ -966,7 +874,7 @@
           <a:p>
             <a:fld id="{1BC7F21A-5F68-41B2-9D03-CFD36A63BC6D}" type="datetimeFigureOut">
               <a:rPr lang="en-US" smtClean="0"/>
-              <a:t>3/27/2025</a:t>
+              <a:t>3/28/2025</a:t>
             </a:fld>
             <a:endParaRPr lang="en-US"/>
           </a:p>
@@ -1164,7 +1072,7 @@
           <a:p>
             <a:fld id="{1BC7F21A-5F68-41B2-9D03-CFD36A63BC6D}" type="datetimeFigureOut">
               <a:rPr lang="en-US" smtClean="0"/>
-              <a:t>3/27/2025</a:t>
+              <a:t>3/28/2025</a:t>
             </a:fld>
             <a:endParaRPr lang="en-US"/>
           </a:p>
@@ -1372,7 +1280,7 @@
           <a:p>
             <a:fld id="{1BC7F21A-5F68-41B2-9D03-CFD36A63BC6D}" type="datetimeFigureOut">
               <a:rPr lang="en-US" smtClean="0"/>
-              <a:t>3/27/2025</a:t>
+              <a:t>3/28/2025</a:t>
             </a:fld>
             <a:endParaRPr lang="en-US"/>
           </a:p>
@@ -1570,7 +1478,7 @@
           <a:p>
             <a:fld id="{1BC7F21A-5F68-41B2-9D03-CFD36A63BC6D}" type="datetimeFigureOut">
               <a:rPr lang="en-US" smtClean="0"/>
-              <a:t>3/27/2025</a:t>
+              <a:t>3/28/2025</a:t>
             </a:fld>
             <a:endParaRPr lang="en-US"/>
           </a:p>
@@ -1845,7 +1753,7 @@
           <a:p>
             <a:fld id="{1BC7F21A-5F68-41B2-9D03-CFD36A63BC6D}" type="datetimeFigureOut">
               <a:rPr lang="en-US" smtClean="0"/>
-              <a:t>3/27/2025</a:t>
+              <a:t>3/28/2025</a:t>
             </a:fld>
             <a:endParaRPr lang="en-US"/>
           </a:p>
@@ -2110,7 +2018,7 @@
           <a:p>
             <a:fld id="{1BC7F21A-5F68-41B2-9D03-CFD36A63BC6D}" type="datetimeFigureOut">
               <a:rPr lang="en-US" smtClean="0"/>
-              <a:t>3/27/2025</a:t>
+              <a:t>3/28/2025</a:t>
             </a:fld>
             <a:endParaRPr lang="en-US"/>
           </a:p>
@@ -2522,7 +2430,7 @@
           <a:p>
             <a:fld id="{1BC7F21A-5F68-41B2-9D03-CFD36A63BC6D}" type="datetimeFigureOut">
               <a:rPr lang="en-US" smtClean="0"/>
-              <a:t>3/27/2025</a:t>
+              <a:t>3/28/2025</a:t>
             </a:fld>
             <a:endParaRPr lang="en-US"/>
           </a:p>
@@ -2663,7 +2571,7 @@
           <a:p>
             <a:fld id="{1BC7F21A-5F68-41B2-9D03-CFD36A63BC6D}" type="datetimeFigureOut">
               <a:rPr lang="en-US" smtClean="0"/>
-              <a:t>3/27/2025</a:t>
+              <a:t>3/28/2025</a:t>
             </a:fld>
             <a:endParaRPr lang="en-US"/>
           </a:p>
@@ -2776,7 +2684,7 @@
           <a:p>
             <a:fld id="{1BC7F21A-5F68-41B2-9D03-CFD36A63BC6D}" type="datetimeFigureOut">
               <a:rPr lang="en-US" smtClean="0"/>
-              <a:t>3/27/2025</a:t>
+              <a:t>3/28/2025</a:t>
             </a:fld>
             <a:endParaRPr lang="en-US"/>
           </a:p>
@@ -3087,7 +2995,7 @@
           <a:p>
             <a:fld id="{1BC7F21A-5F68-41B2-9D03-CFD36A63BC6D}" type="datetimeFigureOut">
               <a:rPr lang="en-US" smtClean="0"/>
-              <a:t>3/27/2025</a:t>
+              <a:t>3/28/2025</a:t>
             </a:fld>
             <a:endParaRPr lang="en-US"/>
           </a:p>
@@ -3375,7 +3283,7 @@
           <a:p>
             <a:fld id="{1BC7F21A-5F68-41B2-9D03-CFD36A63BC6D}" type="datetimeFigureOut">
               <a:rPr lang="en-US" smtClean="0"/>
-              <a:t>3/27/2025</a:t>
+              <a:t>3/28/2025</a:t>
             </a:fld>
             <a:endParaRPr lang="en-US"/>
           </a:p>
@@ -3616,7 +3524,7 @@
           <a:p>
             <a:fld id="{1BC7F21A-5F68-41B2-9D03-CFD36A63BC6D}" type="datetimeFigureOut">
               <a:rPr lang="en-US" smtClean="0"/>
-              <a:t>3/27/2025</a:t>
+              <a:t>3/28/2025</a:t>
             </a:fld>
             <a:endParaRPr lang="en-US"/>
           </a:p>
@@ -4385,126 +4293,6 @@
     <p:extLst>
       <p:ext uri="{BB962C8B-B14F-4D97-AF65-F5344CB8AC3E}">
         <p14:creationId xmlns:p14="http://schemas.microsoft.com/office/powerpoint/2010/main" val="1569219947"/>
-      </p:ext>
-    </p:extLst>
-  </p:cSld>
-  <p:clrMapOvr>
-    <a:masterClrMapping/>
-  </p:clrMapOvr>
-</p:sld>
-</file>
-
-<file path=ppt/slides/slide4.xml><?xml version="1.0" encoding="utf-8"?>
-<p:sld xmlns:a="http://schemas.openxmlformats.org/drawingml/2006/main" xmlns:r="http://schemas.openxmlformats.org/officeDocument/2006/relationships" xmlns:p="http://schemas.openxmlformats.org/presentationml/2006/main">
-  <p:cSld>
-    <p:spTree>
-      <p:nvGrpSpPr>
-        <p:cNvPr id="1" name=""/>
-        <p:cNvGrpSpPr/>
-        <p:nvPr/>
-      </p:nvGrpSpPr>
-      <p:grpSpPr>
-        <a:xfrm>
-          <a:off x="0" y="0"/>
-          <a:ext cx="0" cy="0"/>
-          <a:chOff x="0" y="0"/>
-          <a:chExt cx="0" cy="0"/>
-        </a:xfrm>
-      </p:grpSpPr>
-      <p:sp>
-        <p:nvSpPr>
-          <p:cNvPr id="2" name="Title 1">
-            <a:extLst>
-              <a:ext uri="{FF2B5EF4-FFF2-40B4-BE49-F238E27FC236}">
-                <a16:creationId xmlns:a16="http://schemas.microsoft.com/office/drawing/2014/main" id="{1691AA2C-28E4-716E-59C8-FB81BF433EBA}"/>
-              </a:ext>
-            </a:extLst>
-          </p:cNvPr>
-          <p:cNvSpPr>
-            <a:spLocks noGrp="1"/>
-          </p:cNvSpPr>
-          <p:nvPr>
-            <p:ph type="title"/>
-          </p:nvPr>
-        </p:nvSpPr>
-        <p:spPr/>
-        <p:txBody>
-          <a:bodyPr/>
-          <a:lstStyle/>
-          <a:p>
-            <a:endParaRPr lang="en-US"/>
-          </a:p>
-        </p:txBody>
-      </p:sp>
-      <p:sp>
-        <p:nvSpPr>
-          <p:cNvPr id="3" name="Content Placeholder 2">
-            <a:extLst>
-              <a:ext uri="{FF2B5EF4-FFF2-40B4-BE49-F238E27FC236}">
-                <a16:creationId xmlns:a16="http://schemas.microsoft.com/office/drawing/2014/main" id="{71C2AC61-111D-E352-56A9-A0EDEA3FDB51}"/>
-              </a:ext>
-            </a:extLst>
-          </p:cNvPr>
-          <p:cNvSpPr>
-            <a:spLocks noGrp="1"/>
-          </p:cNvSpPr>
-          <p:nvPr>
-            <p:ph idx="1"/>
-          </p:nvPr>
-        </p:nvSpPr>
-        <p:spPr/>
-        <p:txBody>
-          <a:bodyPr/>
-          <a:lstStyle/>
-          <a:p>
-            <a:endParaRPr lang="en-US"/>
-          </a:p>
-        </p:txBody>
-      </p:sp>
-      <p:cxnSp>
-        <p:nvCxnSpPr>
-          <p:cNvPr id="5" name="Connector: Curved 4">
-            <a:extLst>
-              <a:ext uri="{FF2B5EF4-FFF2-40B4-BE49-F238E27FC236}">
-                <a16:creationId xmlns:a16="http://schemas.microsoft.com/office/drawing/2014/main" id="{4C986079-86D2-C5AD-82A3-F0FAB1CE3B81}"/>
-              </a:ext>
-            </a:extLst>
-          </p:cNvPr>
-          <p:cNvCxnSpPr/>
-          <p:nvPr/>
-        </p:nvCxnSpPr>
-        <p:spPr>
-          <a:xfrm>
-            <a:off x="2895600" y="2197768"/>
-            <a:ext cx="6448926" cy="2318085"/>
-          </a:xfrm>
-          <a:prstGeom prst="curvedConnector3">
-            <a:avLst/>
-          </a:prstGeom>
-          <a:ln w="57150">
-            <a:headEnd type="triangle"/>
-            <a:tailEnd type="triangle"/>
-          </a:ln>
-        </p:spPr>
-        <p:style>
-          <a:lnRef idx="2">
-            <a:schemeClr val="accent1"/>
-          </a:lnRef>
-          <a:fillRef idx="0">
-            <a:schemeClr val="accent1"/>
-          </a:fillRef>
-          <a:effectRef idx="1">
-            <a:schemeClr val="accent1"/>
-          </a:effectRef>
-          <a:fontRef idx="minor">
-            <a:schemeClr val="tx1"/>
-          </a:fontRef>
-        </p:style>
-      </p:cxnSp>
-    </p:spTree>
-    <p:extLst>
-      <p:ext uri="{BB962C8B-B14F-4D97-AF65-F5344CB8AC3E}">
-        <p14:creationId xmlns:p14="http://schemas.microsoft.com/office/powerpoint/2010/main" val="3157834915"/>
       </p:ext>
     </p:extLst>
   </p:cSld>

--- a/input/shapes.pptx
+++ b/input/shapes.pptx
@@ -5,12 +5,13 @@
     <p:sldMasterId id="2147483648" r:id="rId1"/>
   </p:sldMasterIdLst>
   <p:notesMasterIdLst>
-    <p:notesMasterId r:id="rId5"/>
+    <p:notesMasterId r:id="rId6"/>
   </p:notesMasterIdLst>
   <p:sldIdLst>
     <p:sldId id="256" r:id="rId2"/>
     <p:sldId id="257" r:id="rId3"/>
     <p:sldId id="258" r:id="rId4"/>
+    <p:sldId id="259" r:id="rId5"/>
   </p:sldIdLst>
   <p:sldSz cx="12192000" cy="6858000"/>
   <p:notesSz cx="6858000" cy="9144000"/>
@@ -199,7 +200,7 @@
           <a:p>
             <a:fld id="{277CFCE7-5604-4297-BF00-76C43D50AE14}" type="datetimeFigureOut">
               <a:rPr lang="en-US" smtClean="0"/>
-              <a:t>3/28/2025</a:t>
+              <a:t>4/1/2025</a:t>
             </a:fld>
             <a:endParaRPr lang="en-US"/>
           </a:p>
@@ -686,7 +687,7 @@
           <a:p>
             <a:r>
               <a:rPr lang="en-US" dirty="0"/>
-              <a:t>Did you predict the next shape would be a triangle?</a:t>
+              <a:t>Did you predict the next shape would be a yellow triangle?</a:t>
             </a:r>
           </a:p>
         </p:txBody>
@@ -718,6 +719,93 @@
     <p:extLst>
       <p:ext uri="{BB962C8B-B14F-4D97-AF65-F5344CB8AC3E}">
         <p14:creationId xmlns:p14="http://schemas.microsoft.com/office/powerpoint/2010/main" val="4180521210"/>
+      </p:ext>
+    </p:extLst>
+  </p:cSld>
+  <p:clrMapOvr>
+    <a:masterClrMapping/>
+  </p:clrMapOvr>
+</p:notes>
+</file>
+
+<file path=ppt/notesSlides/notesSlide4.xml><?xml version="1.0" encoding="utf-8"?>
+<p:notes xmlns:a="http://schemas.openxmlformats.org/drawingml/2006/main" xmlns:r="http://schemas.openxmlformats.org/officeDocument/2006/relationships" xmlns:p="http://schemas.openxmlformats.org/presentationml/2006/main">
+  <p:cSld>
+    <p:spTree>
+      <p:nvGrpSpPr>
+        <p:cNvPr id="1" name=""/>
+        <p:cNvGrpSpPr/>
+        <p:nvPr/>
+      </p:nvGrpSpPr>
+      <p:grpSpPr>
+        <a:xfrm>
+          <a:off x="0" y="0"/>
+          <a:ext cx="0" cy="0"/>
+          <a:chOff x="0" y="0"/>
+          <a:chExt cx="0" cy="0"/>
+        </a:xfrm>
+      </p:grpSpPr>
+      <p:sp>
+        <p:nvSpPr>
+          <p:cNvPr id="2" name="Slide Image Placeholder 1"/>
+          <p:cNvSpPr>
+            <a:spLocks noGrp="1" noRot="1" noChangeAspect="1"/>
+          </p:cNvSpPr>
+          <p:nvPr>
+            <p:ph type="sldImg"/>
+          </p:nvPr>
+        </p:nvSpPr>
+        <p:spPr/>
+      </p:sp>
+      <p:sp>
+        <p:nvSpPr>
+          <p:cNvPr id="3" name="Notes Placeholder 2"/>
+          <p:cNvSpPr>
+            <a:spLocks noGrp="1"/>
+          </p:cNvSpPr>
+          <p:nvPr>
+            <p:ph type="body" idx="1"/>
+          </p:nvPr>
+        </p:nvSpPr>
+        <p:spPr/>
+        <p:txBody>
+          <a:bodyPr/>
+          <a:lstStyle/>
+          <a:p>
+            <a:r>
+              <a:rPr lang="en-US" dirty="0"/>
+              <a:t>Have any questions on how this was created? Book an appointment today!</a:t>
+            </a:r>
+          </a:p>
+        </p:txBody>
+      </p:sp>
+      <p:sp>
+        <p:nvSpPr>
+          <p:cNvPr id="4" name="Slide Number Placeholder 3"/>
+          <p:cNvSpPr>
+            <a:spLocks noGrp="1"/>
+          </p:cNvSpPr>
+          <p:nvPr>
+            <p:ph type="sldNum" sz="quarter" idx="5"/>
+          </p:nvPr>
+        </p:nvSpPr>
+        <p:spPr/>
+        <p:txBody>
+          <a:bodyPr/>
+          <a:lstStyle/>
+          <a:p>
+            <a:fld id="{68D8A56D-57E7-4451-A268-8025FB9ABA7E}" type="slidenum">
+              <a:rPr lang="en-US" smtClean="0"/>
+              <a:t>4</a:t>
+            </a:fld>
+            <a:endParaRPr lang="en-US"/>
+          </a:p>
+        </p:txBody>
+      </p:sp>
+    </p:spTree>
+    <p:extLst>
+      <p:ext uri="{BB962C8B-B14F-4D97-AF65-F5344CB8AC3E}">
+        <p14:creationId xmlns:p14="http://schemas.microsoft.com/office/powerpoint/2010/main" val="457331093"/>
       </p:ext>
     </p:extLst>
   </p:cSld>
@@ -874,7 +962,7 @@
           <a:p>
             <a:fld id="{1BC7F21A-5F68-41B2-9D03-CFD36A63BC6D}" type="datetimeFigureOut">
               <a:rPr lang="en-US" smtClean="0"/>
-              <a:t>3/28/2025</a:t>
+              <a:t>4/1/2025</a:t>
             </a:fld>
             <a:endParaRPr lang="en-US"/>
           </a:p>
@@ -1072,7 +1160,7 @@
           <a:p>
             <a:fld id="{1BC7F21A-5F68-41B2-9D03-CFD36A63BC6D}" type="datetimeFigureOut">
               <a:rPr lang="en-US" smtClean="0"/>
-              <a:t>3/28/2025</a:t>
+              <a:t>4/1/2025</a:t>
             </a:fld>
             <a:endParaRPr lang="en-US"/>
           </a:p>
@@ -1280,7 +1368,7 @@
           <a:p>
             <a:fld id="{1BC7F21A-5F68-41B2-9D03-CFD36A63BC6D}" type="datetimeFigureOut">
               <a:rPr lang="en-US" smtClean="0"/>
-              <a:t>3/28/2025</a:t>
+              <a:t>4/1/2025</a:t>
             </a:fld>
             <a:endParaRPr lang="en-US"/>
           </a:p>
@@ -1478,7 +1566,7 @@
           <a:p>
             <a:fld id="{1BC7F21A-5F68-41B2-9D03-CFD36A63BC6D}" type="datetimeFigureOut">
               <a:rPr lang="en-US" smtClean="0"/>
-              <a:t>3/28/2025</a:t>
+              <a:t>4/1/2025</a:t>
             </a:fld>
             <a:endParaRPr lang="en-US"/>
           </a:p>
@@ -1753,7 +1841,7 @@
           <a:p>
             <a:fld id="{1BC7F21A-5F68-41B2-9D03-CFD36A63BC6D}" type="datetimeFigureOut">
               <a:rPr lang="en-US" smtClean="0"/>
-              <a:t>3/28/2025</a:t>
+              <a:t>4/1/2025</a:t>
             </a:fld>
             <a:endParaRPr lang="en-US"/>
           </a:p>
@@ -2018,7 +2106,7 @@
           <a:p>
             <a:fld id="{1BC7F21A-5F68-41B2-9D03-CFD36A63BC6D}" type="datetimeFigureOut">
               <a:rPr lang="en-US" smtClean="0"/>
-              <a:t>3/28/2025</a:t>
+              <a:t>4/1/2025</a:t>
             </a:fld>
             <a:endParaRPr lang="en-US"/>
           </a:p>
@@ -2430,7 +2518,7 @@
           <a:p>
             <a:fld id="{1BC7F21A-5F68-41B2-9D03-CFD36A63BC6D}" type="datetimeFigureOut">
               <a:rPr lang="en-US" smtClean="0"/>
-              <a:t>3/28/2025</a:t>
+              <a:t>4/1/2025</a:t>
             </a:fld>
             <a:endParaRPr lang="en-US"/>
           </a:p>
@@ -2571,7 +2659,7 @@
           <a:p>
             <a:fld id="{1BC7F21A-5F68-41B2-9D03-CFD36A63BC6D}" type="datetimeFigureOut">
               <a:rPr lang="en-US" smtClean="0"/>
-              <a:t>3/28/2025</a:t>
+              <a:t>4/1/2025</a:t>
             </a:fld>
             <a:endParaRPr lang="en-US"/>
           </a:p>
@@ -2684,7 +2772,7 @@
           <a:p>
             <a:fld id="{1BC7F21A-5F68-41B2-9D03-CFD36A63BC6D}" type="datetimeFigureOut">
               <a:rPr lang="en-US" smtClean="0"/>
-              <a:t>3/28/2025</a:t>
+              <a:t>4/1/2025</a:t>
             </a:fld>
             <a:endParaRPr lang="en-US"/>
           </a:p>
@@ -2995,7 +3083,7 @@
           <a:p>
             <a:fld id="{1BC7F21A-5F68-41B2-9D03-CFD36A63BC6D}" type="datetimeFigureOut">
               <a:rPr lang="en-US" smtClean="0"/>
-              <a:t>3/28/2025</a:t>
+              <a:t>4/1/2025</a:t>
             </a:fld>
             <a:endParaRPr lang="en-US"/>
           </a:p>
@@ -3283,7 +3371,7 @@
           <a:p>
             <a:fld id="{1BC7F21A-5F68-41B2-9D03-CFD36A63BC6D}" type="datetimeFigureOut">
               <a:rPr lang="en-US" smtClean="0"/>
-              <a:t>3/28/2025</a:t>
+              <a:t>4/1/2025</a:t>
             </a:fld>
             <a:endParaRPr lang="en-US"/>
           </a:p>
@@ -3524,7 +3612,7 @@
           <a:p>
             <a:fld id="{1BC7F21A-5F68-41B2-9D03-CFD36A63BC6D}" type="datetimeFigureOut">
               <a:rPr lang="en-US" smtClean="0"/>
-              <a:t>3/28/2025</a:t>
+              <a:t>4/1/2025</a:t>
             </a:fld>
             <a:endParaRPr lang="en-US"/>
           </a:p>
@@ -4257,10 +4345,139 @@
         </p:nvSpPr>
         <p:spPr>
           <a:xfrm>
-            <a:off x="3978441" y="1211179"/>
+            <a:off x="4150564" y="1211179"/>
             <a:ext cx="4074695" cy="4098757"/>
           </a:xfrm>
           <a:prstGeom prst="triangle">
+            <a:avLst/>
+          </a:prstGeom>
+          <a:solidFill>
+            <a:srgbClr val="FFFF00"/>
+          </a:solidFill>
+        </p:spPr>
+        <p:style>
+          <a:lnRef idx="2">
+            <a:schemeClr val="accent1">
+              <a:shade val="15000"/>
+            </a:schemeClr>
+          </a:lnRef>
+          <a:fillRef idx="1">
+            <a:schemeClr val="accent1"/>
+          </a:fillRef>
+          <a:effectRef idx="0">
+            <a:schemeClr val="accent1"/>
+          </a:effectRef>
+          <a:fontRef idx="minor">
+            <a:schemeClr val="lt1"/>
+          </a:fontRef>
+        </p:style>
+        <p:txBody>
+          <a:bodyPr rtlCol="0" anchor="ctr"/>
+          <a:lstStyle/>
+          <a:p>
+            <a:pPr algn="ctr"/>
+            <a:endParaRPr lang="en-US"/>
+          </a:p>
+        </p:txBody>
+      </p:sp>
+    </p:spTree>
+    <p:extLst>
+      <p:ext uri="{BB962C8B-B14F-4D97-AF65-F5344CB8AC3E}">
+        <p14:creationId xmlns:p14="http://schemas.microsoft.com/office/powerpoint/2010/main" val="1569219947"/>
+      </p:ext>
+    </p:extLst>
+  </p:cSld>
+  <p:clrMapOvr>
+    <a:masterClrMapping/>
+  </p:clrMapOvr>
+</p:sld>
+</file>
+
+<file path=ppt/slides/slide4.xml><?xml version="1.0" encoding="utf-8"?>
+<p:sld xmlns:a="http://schemas.openxmlformats.org/drawingml/2006/main" xmlns:r="http://schemas.openxmlformats.org/officeDocument/2006/relationships" xmlns:p="http://schemas.openxmlformats.org/presentationml/2006/main">
+  <p:cSld>
+    <p:spTree>
+      <p:nvGrpSpPr>
+        <p:cNvPr id="1" name=""/>
+        <p:cNvGrpSpPr/>
+        <p:nvPr/>
+      </p:nvGrpSpPr>
+      <p:grpSpPr>
+        <a:xfrm>
+          <a:off x="0" y="0"/>
+          <a:ext cx="0" cy="0"/>
+          <a:chOff x="0" y="0"/>
+          <a:chExt cx="0" cy="0"/>
+        </a:xfrm>
+      </p:grpSpPr>
+      <p:sp>
+        <p:nvSpPr>
+          <p:cNvPr id="2" name="Title 1">
+            <a:extLst>
+              <a:ext uri="{FF2B5EF4-FFF2-40B4-BE49-F238E27FC236}">
+                <a16:creationId xmlns:a16="http://schemas.microsoft.com/office/drawing/2014/main" id="{629CC6BB-7954-E0DC-2720-BA0F93472E28}"/>
+              </a:ext>
+            </a:extLst>
+          </p:cNvPr>
+          <p:cNvSpPr>
+            <a:spLocks noGrp="1"/>
+          </p:cNvSpPr>
+          <p:nvPr>
+            <p:ph type="title"/>
+          </p:nvPr>
+        </p:nvSpPr>
+        <p:spPr/>
+        <p:txBody>
+          <a:bodyPr/>
+          <a:lstStyle/>
+          <a:p>
+            <a:endParaRPr lang="en-US"/>
+          </a:p>
+        </p:txBody>
+      </p:sp>
+      <p:sp>
+        <p:nvSpPr>
+          <p:cNvPr id="3" name="Content Placeholder 2">
+            <a:extLst>
+              <a:ext uri="{FF2B5EF4-FFF2-40B4-BE49-F238E27FC236}">
+                <a16:creationId xmlns:a16="http://schemas.microsoft.com/office/drawing/2014/main" id="{62D0FF30-E5EA-AF7D-4C47-E0969EB0A95F}"/>
+              </a:ext>
+            </a:extLst>
+          </p:cNvPr>
+          <p:cNvSpPr>
+            <a:spLocks noGrp="1"/>
+          </p:cNvSpPr>
+          <p:nvPr>
+            <p:ph idx="1"/>
+          </p:nvPr>
+        </p:nvSpPr>
+        <p:spPr/>
+        <p:txBody>
+          <a:bodyPr/>
+          <a:lstStyle/>
+          <a:p>
+            <a:endParaRPr lang="en-US"/>
+          </a:p>
+        </p:txBody>
+      </p:sp>
+      <p:sp>
+        <p:nvSpPr>
+          <p:cNvPr id="4" name="Thought Bubble: Cloud 3">
+            <a:extLst>
+              <a:ext uri="{FF2B5EF4-FFF2-40B4-BE49-F238E27FC236}">
+                <a16:creationId xmlns:a16="http://schemas.microsoft.com/office/drawing/2014/main" id="{3F68A950-3615-8061-A4FD-97AB12C3C7C5}"/>
+              </a:ext>
+            </a:extLst>
+          </p:cNvPr>
+          <p:cNvSpPr/>
+          <p:nvPr/>
+        </p:nvSpPr>
+        <p:spPr>
+          <a:xfrm>
+            <a:off x="4550485" y="1904104"/>
+            <a:ext cx="3743661" cy="2850776"/>
+          </a:xfrm>
+          <a:prstGeom prst="cloudCallout">
             <a:avLst/>
           </a:prstGeom>
         </p:spPr>
@@ -4292,7 +4509,7 @@
     </p:spTree>
     <p:extLst>
       <p:ext uri="{BB962C8B-B14F-4D97-AF65-F5344CB8AC3E}">
-        <p14:creationId xmlns:p14="http://schemas.microsoft.com/office/powerpoint/2010/main" val="1569219947"/>
+        <p14:creationId xmlns:p14="http://schemas.microsoft.com/office/powerpoint/2010/main" val="702856826"/>
       </p:ext>
     </p:extLst>
   </p:cSld>

--- a/input/shapes.pptx
+++ b/input/shapes.pptx
@@ -5,13 +5,12 @@
     <p:sldMasterId id="2147483648" r:id="rId1"/>
   </p:sldMasterIdLst>
   <p:notesMasterIdLst>
-    <p:notesMasterId r:id="rId6"/>
+    <p:notesMasterId r:id="rId5"/>
   </p:notesMasterIdLst>
   <p:sldIdLst>
     <p:sldId id="256" r:id="rId2"/>
     <p:sldId id="257" r:id="rId3"/>
     <p:sldId id="258" r:id="rId4"/>
-    <p:sldId id="259" r:id="rId5"/>
   </p:sldIdLst>
   <p:sldSz cx="12192000" cy="6858000"/>
   <p:notesSz cx="6858000" cy="9144000"/>
@@ -687,7 +686,7 @@
           <a:p>
             <a:r>
               <a:rPr lang="en-US" dirty="0"/>
-              <a:t>Did you predict the next shape would be a yellow triangle?</a:t>
+              <a:t>Did you predict the next shape would be a triangle?</a:t>
             </a:r>
           </a:p>
         </p:txBody>
@@ -719,93 +718,6 @@
     <p:extLst>
       <p:ext uri="{BB962C8B-B14F-4D97-AF65-F5344CB8AC3E}">
         <p14:creationId xmlns:p14="http://schemas.microsoft.com/office/powerpoint/2010/main" val="4180521210"/>
-      </p:ext>
-    </p:extLst>
-  </p:cSld>
-  <p:clrMapOvr>
-    <a:masterClrMapping/>
-  </p:clrMapOvr>
-</p:notes>
-</file>
-
-<file path=ppt/notesSlides/notesSlide4.xml><?xml version="1.0" encoding="utf-8"?>
-<p:notes xmlns:a="http://schemas.openxmlformats.org/drawingml/2006/main" xmlns:r="http://schemas.openxmlformats.org/officeDocument/2006/relationships" xmlns:p="http://schemas.openxmlformats.org/presentationml/2006/main">
-  <p:cSld>
-    <p:spTree>
-      <p:nvGrpSpPr>
-        <p:cNvPr id="1" name=""/>
-        <p:cNvGrpSpPr/>
-        <p:nvPr/>
-      </p:nvGrpSpPr>
-      <p:grpSpPr>
-        <a:xfrm>
-          <a:off x="0" y="0"/>
-          <a:ext cx="0" cy="0"/>
-          <a:chOff x="0" y="0"/>
-          <a:chExt cx="0" cy="0"/>
-        </a:xfrm>
-      </p:grpSpPr>
-      <p:sp>
-        <p:nvSpPr>
-          <p:cNvPr id="2" name="Slide Image Placeholder 1"/>
-          <p:cNvSpPr>
-            <a:spLocks noGrp="1" noRot="1" noChangeAspect="1"/>
-          </p:cNvSpPr>
-          <p:nvPr>
-            <p:ph type="sldImg"/>
-          </p:nvPr>
-        </p:nvSpPr>
-        <p:spPr/>
-      </p:sp>
-      <p:sp>
-        <p:nvSpPr>
-          <p:cNvPr id="3" name="Notes Placeholder 2"/>
-          <p:cNvSpPr>
-            <a:spLocks noGrp="1"/>
-          </p:cNvSpPr>
-          <p:nvPr>
-            <p:ph type="body" idx="1"/>
-          </p:nvPr>
-        </p:nvSpPr>
-        <p:spPr/>
-        <p:txBody>
-          <a:bodyPr/>
-          <a:lstStyle/>
-          <a:p>
-            <a:r>
-              <a:rPr lang="en-US" dirty="0"/>
-              <a:t>Have any questions on how this was created? Book an appointment today!</a:t>
-            </a:r>
-          </a:p>
-        </p:txBody>
-      </p:sp>
-      <p:sp>
-        <p:nvSpPr>
-          <p:cNvPr id="4" name="Slide Number Placeholder 3"/>
-          <p:cNvSpPr>
-            <a:spLocks noGrp="1"/>
-          </p:cNvSpPr>
-          <p:nvPr>
-            <p:ph type="sldNum" sz="quarter" idx="5"/>
-          </p:nvPr>
-        </p:nvSpPr>
-        <p:spPr/>
-        <p:txBody>
-          <a:bodyPr/>
-          <a:lstStyle/>
-          <a:p>
-            <a:fld id="{68D8A56D-57E7-4451-A268-8025FB9ABA7E}" type="slidenum">
-              <a:rPr lang="en-US" smtClean="0"/>
-              <a:t>4</a:t>
-            </a:fld>
-            <a:endParaRPr lang="en-US"/>
-          </a:p>
-        </p:txBody>
-      </p:sp>
-    </p:spTree>
-    <p:extLst>
-      <p:ext uri="{BB962C8B-B14F-4D97-AF65-F5344CB8AC3E}">
-        <p14:creationId xmlns:p14="http://schemas.microsoft.com/office/powerpoint/2010/main" val="457331093"/>
       </p:ext>
     </p:extLst>
   </p:cSld>
@@ -4351,9 +4263,6 @@
           <a:prstGeom prst="triangle">
             <a:avLst/>
           </a:prstGeom>
-          <a:solidFill>
-            <a:srgbClr val="FFFF00"/>
-          </a:solidFill>
         </p:spPr>
         <p:style>
           <a:lnRef idx="2">
@@ -4384,132 +4293,6 @@
     <p:extLst>
       <p:ext uri="{BB962C8B-B14F-4D97-AF65-F5344CB8AC3E}">
         <p14:creationId xmlns:p14="http://schemas.microsoft.com/office/powerpoint/2010/main" val="1569219947"/>
-      </p:ext>
-    </p:extLst>
-  </p:cSld>
-  <p:clrMapOvr>
-    <a:masterClrMapping/>
-  </p:clrMapOvr>
-</p:sld>
-</file>
-
-<file path=ppt/slides/slide4.xml><?xml version="1.0" encoding="utf-8"?>
-<p:sld xmlns:a="http://schemas.openxmlformats.org/drawingml/2006/main" xmlns:r="http://schemas.openxmlformats.org/officeDocument/2006/relationships" xmlns:p="http://schemas.openxmlformats.org/presentationml/2006/main">
-  <p:cSld>
-    <p:spTree>
-      <p:nvGrpSpPr>
-        <p:cNvPr id="1" name=""/>
-        <p:cNvGrpSpPr/>
-        <p:nvPr/>
-      </p:nvGrpSpPr>
-      <p:grpSpPr>
-        <a:xfrm>
-          <a:off x="0" y="0"/>
-          <a:ext cx="0" cy="0"/>
-          <a:chOff x="0" y="0"/>
-          <a:chExt cx="0" cy="0"/>
-        </a:xfrm>
-      </p:grpSpPr>
-      <p:sp>
-        <p:nvSpPr>
-          <p:cNvPr id="2" name="Title 1">
-            <a:extLst>
-              <a:ext uri="{FF2B5EF4-FFF2-40B4-BE49-F238E27FC236}">
-                <a16:creationId xmlns:a16="http://schemas.microsoft.com/office/drawing/2014/main" id="{629CC6BB-7954-E0DC-2720-BA0F93472E28}"/>
-              </a:ext>
-            </a:extLst>
-          </p:cNvPr>
-          <p:cNvSpPr>
-            <a:spLocks noGrp="1"/>
-          </p:cNvSpPr>
-          <p:nvPr>
-            <p:ph type="title"/>
-          </p:nvPr>
-        </p:nvSpPr>
-        <p:spPr/>
-        <p:txBody>
-          <a:bodyPr/>
-          <a:lstStyle/>
-          <a:p>
-            <a:endParaRPr lang="en-US"/>
-          </a:p>
-        </p:txBody>
-      </p:sp>
-      <p:sp>
-        <p:nvSpPr>
-          <p:cNvPr id="3" name="Content Placeholder 2">
-            <a:extLst>
-              <a:ext uri="{FF2B5EF4-FFF2-40B4-BE49-F238E27FC236}">
-                <a16:creationId xmlns:a16="http://schemas.microsoft.com/office/drawing/2014/main" id="{62D0FF30-E5EA-AF7D-4C47-E0969EB0A95F}"/>
-              </a:ext>
-            </a:extLst>
-          </p:cNvPr>
-          <p:cNvSpPr>
-            <a:spLocks noGrp="1"/>
-          </p:cNvSpPr>
-          <p:nvPr>
-            <p:ph idx="1"/>
-          </p:nvPr>
-        </p:nvSpPr>
-        <p:spPr/>
-        <p:txBody>
-          <a:bodyPr/>
-          <a:lstStyle/>
-          <a:p>
-            <a:endParaRPr lang="en-US"/>
-          </a:p>
-        </p:txBody>
-      </p:sp>
-      <p:sp>
-        <p:nvSpPr>
-          <p:cNvPr id="4" name="Thought Bubble: Cloud 3">
-            <a:extLst>
-              <a:ext uri="{FF2B5EF4-FFF2-40B4-BE49-F238E27FC236}">
-                <a16:creationId xmlns:a16="http://schemas.microsoft.com/office/drawing/2014/main" id="{3F68A950-3615-8061-A4FD-97AB12C3C7C5}"/>
-              </a:ext>
-            </a:extLst>
-          </p:cNvPr>
-          <p:cNvSpPr/>
-          <p:nvPr/>
-        </p:nvSpPr>
-        <p:spPr>
-          <a:xfrm>
-            <a:off x="4550485" y="1904104"/>
-            <a:ext cx="3743661" cy="2850776"/>
-          </a:xfrm>
-          <a:prstGeom prst="cloudCallout">
-            <a:avLst/>
-          </a:prstGeom>
-        </p:spPr>
-        <p:style>
-          <a:lnRef idx="2">
-            <a:schemeClr val="accent1">
-              <a:shade val="15000"/>
-            </a:schemeClr>
-          </a:lnRef>
-          <a:fillRef idx="1">
-            <a:schemeClr val="accent1"/>
-          </a:fillRef>
-          <a:effectRef idx="0">
-            <a:schemeClr val="accent1"/>
-          </a:effectRef>
-          <a:fontRef idx="minor">
-            <a:schemeClr val="lt1"/>
-          </a:fontRef>
-        </p:style>
-        <p:txBody>
-          <a:bodyPr rtlCol="0" anchor="ctr"/>
-          <a:lstStyle/>
-          <a:p>
-            <a:pPr algn="ctr"/>
-            <a:endParaRPr lang="en-US"/>
-          </a:p>
-        </p:txBody>
-      </p:sp>
-    </p:spTree>
-    <p:extLst>
-      <p:ext uri="{BB962C8B-B14F-4D97-AF65-F5344CB8AC3E}">
-        <p14:creationId xmlns:p14="http://schemas.microsoft.com/office/powerpoint/2010/main" val="702856826"/>
       </p:ext>
     </p:extLst>
   </p:cSld>

--- a/input/shapes.pptx
+++ b/input/shapes.pptx
@@ -5,12 +5,13 @@
     <p:sldMasterId id="2147483648" r:id="rId1"/>
   </p:sldMasterIdLst>
   <p:notesMasterIdLst>
-    <p:notesMasterId r:id="rId5"/>
+    <p:notesMasterId r:id="rId6"/>
   </p:notesMasterIdLst>
   <p:sldIdLst>
     <p:sldId id="256" r:id="rId2"/>
     <p:sldId id="257" r:id="rId3"/>
     <p:sldId id="258" r:id="rId4"/>
+    <p:sldId id="259" r:id="rId5"/>
   </p:sldIdLst>
   <p:sldSz cx="12192000" cy="6858000"/>
   <p:notesSz cx="6858000" cy="9144000"/>
@@ -686,7 +687,7 @@
           <a:p>
             <a:r>
               <a:rPr lang="en-US" dirty="0"/>
-              <a:t>Did you predict the next shape would be a triangle?</a:t>
+              <a:t>Did you predict the next shape would be a yellow triangle?</a:t>
             </a:r>
           </a:p>
         </p:txBody>
@@ -718,6 +719,97 @@
     <p:extLst>
       <p:ext uri="{BB962C8B-B14F-4D97-AF65-F5344CB8AC3E}">
         <p14:creationId xmlns:p14="http://schemas.microsoft.com/office/powerpoint/2010/main" val="4180521210"/>
+      </p:ext>
+    </p:extLst>
+  </p:cSld>
+  <p:clrMapOvr>
+    <a:masterClrMapping/>
+  </p:clrMapOvr>
+</p:notes>
+</file>
+
+<file path=ppt/notesSlides/notesSlide4.xml><?xml version="1.0" encoding="utf-8"?>
+<p:notes xmlns:a="http://schemas.openxmlformats.org/drawingml/2006/main" xmlns:r="http://schemas.openxmlformats.org/officeDocument/2006/relationships" xmlns:p="http://schemas.openxmlformats.org/presentationml/2006/main">
+  <p:cSld>
+    <p:spTree>
+      <p:nvGrpSpPr>
+        <p:cNvPr id="1" name=""/>
+        <p:cNvGrpSpPr/>
+        <p:nvPr/>
+      </p:nvGrpSpPr>
+      <p:grpSpPr>
+        <a:xfrm>
+          <a:off x="0" y="0"/>
+          <a:ext cx="0" cy="0"/>
+          <a:chOff x="0" y="0"/>
+          <a:chExt cx="0" cy="0"/>
+        </a:xfrm>
+      </p:grpSpPr>
+      <p:sp>
+        <p:nvSpPr>
+          <p:cNvPr id="2" name="Slide Image Placeholder 1"/>
+          <p:cNvSpPr>
+            <a:spLocks noGrp="1" noRot="1" noChangeAspect="1"/>
+          </p:cNvSpPr>
+          <p:nvPr>
+            <p:ph type="sldImg"/>
+          </p:nvPr>
+        </p:nvSpPr>
+        <p:spPr/>
+      </p:sp>
+      <p:sp>
+        <p:nvSpPr>
+          <p:cNvPr id="3" name="Notes Placeholder 2"/>
+          <p:cNvSpPr>
+            <a:spLocks noGrp="1"/>
+          </p:cNvSpPr>
+          <p:nvPr>
+            <p:ph type="body" idx="1"/>
+          </p:nvPr>
+        </p:nvSpPr>
+        <p:spPr/>
+        <p:txBody>
+          <a:bodyPr/>
+          <a:lstStyle/>
+          <a:p>
+            <a:r>
+              <a:rPr lang="en-US" dirty="0"/>
+              <a:t>Have any question? </a:t>
+            </a:r>
+            <a:r>
+              <a:rPr lang="en-US"/>
+              <a:t>Please reach out!</a:t>
+            </a:r>
+          </a:p>
+        </p:txBody>
+      </p:sp>
+      <p:sp>
+        <p:nvSpPr>
+          <p:cNvPr id="4" name="Slide Number Placeholder 3"/>
+          <p:cNvSpPr>
+            <a:spLocks noGrp="1"/>
+          </p:cNvSpPr>
+          <p:nvPr>
+            <p:ph type="sldNum" sz="quarter" idx="5"/>
+          </p:nvPr>
+        </p:nvSpPr>
+        <p:spPr/>
+        <p:txBody>
+          <a:bodyPr/>
+          <a:lstStyle/>
+          <a:p>
+            <a:fld id="{68D8A56D-57E7-4451-A268-8025FB9ABA7E}" type="slidenum">
+              <a:rPr lang="en-US" smtClean="0"/>
+              <a:t>4</a:t>
+            </a:fld>
+            <a:endParaRPr lang="en-US"/>
+          </a:p>
+        </p:txBody>
+      </p:sp>
+    </p:spTree>
+    <p:extLst>
+      <p:ext uri="{BB962C8B-B14F-4D97-AF65-F5344CB8AC3E}">
+        <p14:creationId xmlns:p14="http://schemas.microsoft.com/office/powerpoint/2010/main" val="1726525311"/>
       </p:ext>
     </p:extLst>
   </p:cSld>
@@ -4263,6 +4355,9 @@
           <a:prstGeom prst="triangle">
             <a:avLst/>
           </a:prstGeom>
+          <a:solidFill>
+            <a:srgbClr val="FFFF00"/>
+          </a:solidFill>
         </p:spPr>
         <p:style>
           <a:lnRef idx="2">
@@ -4293,6 +4388,132 @@
     <p:extLst>
       <p:ext uri="{BB962C8B-B14F-4D97-AF65-F5344CB8AC3E}">
         <p14:creationId xmlns:p14="http://schemas.microsoft.com/office/powerpoint/2010/main" val="1569219947"/>
+      </p:ext>
+    </p:extLst>
+  </p:cSld>
+  <p:clrMapOvr>
+    <a:masterClrMapping/>
+  </p:clrMapOvr>
+</p:sld>
+</file>
+
+<file path=ppt/slides/slide4.xml><?xml version="1.0" encoding="utf-8"?>
+<p:sld xmlns:a="http://schemas.openxmlformats.org/drawingml/2006/main" xmlns:r="http://schemas.openxmlformats.org/officeDocument/2006/relationships" xmlns:p="http://schemas.openxmlformats.org/presentationml/2006/main">
+  <p:cSld>
+    <p:spTree>
+      <p:nvGrpSpPr>
+        <p:cNvPr id="1" name=""/>
+        <p:cNvGrpSpPr/>
+        <p:nvPr/>
+      </p:nvGrpSpPr>
+      <p:grpSpPr>
+        <a:xfrm>
+          <a:off x="0" y="0"/>
+          <a:ext cx="0" cy="0"/>
+          <a:chOff x="0" y="0"/>
+          <a:chExt cx="0" cy="0"/>
+        </a:xfrm>
+      </p:grpSpPr>
+      <p:sp>
+        <p:nvSpPr>
+          <p:cNvPr id="2" name="Title 1">
+            <a:extLst>
+              <a:ext uri="{FF2B5EF4-FFF2-40B4-BE49-F238E27FC236}">
+                <a16:creationId xmlns:a16="http://schemas.microsoft.com/office/drawing/2014/main" id="{0E2D91D4-9FCA-D4CF-2E76-D9ADA88CD338}"/>
+              </a:ext>
+            </a:extLst>
+          </p:cNvPr>
+          <p:cNvSpPr>
+            <a:spLocks noGrp="1"/>
+          </p:cNvSpPr>
+          <p:nvPr>
+            <p:ph type="title"/>
+          </p:nvPr>
+        </p:nvSpPr>
+        <p:spPr/>
+        <p:txBody>
+          <a:bodyPr/>
+          <a:lstStyle/>
+          <a:p>
+            <a:endParaRPr lang="en-US"/>
+          </a:p>
+        </p:txBody>
+      </p:sp>
+      <p:sp>
+        <p:nvSpPr>
+          <p:cNvPr id="3" name="Content Placeholder 2">
+            <a:extLst>
+              <a:ext uri="{FF2B5EF4-FFF2-40B4-BE49-F238E27FC236}">
+                <a16:creationId xmlns:a16="http://schemas.microsoft.com/office/drawing/2014/main" id="{3252C236-DDA4-4690-4543-B8FCCDECC105}"/>
+              </a:ext>
+            </a:extLst>
+          </p:cNvPr>
+          <p:cNvSpPr>
+            <a:spLocks noGrp="1"/>
+          </p:cNvSpPr>
+          <p:nvPr>
+            <p:ph idx="1"/>
+          </p:nvPr>
+        </p:nvSpPr>
+        <p:spPr/>
+        <p:txBody>
+          <a:bodyPr/>
+          <a:lstStyle/>
+          <a:p>
+            <a:endParaRPr lang="en-US"/>
+          </a:p>
+        </p:txBody>
+      </p:sp>
+      <p:sp>
+        <p:nvSpPr>
+          <p:cNvPr id="4" name="Thought Bubble: Cloud 3">
+            <a:extLst>
+              <a:ext uri="{FF2B5EF4-FFF2-40B4-BE49-F238E27FC236}">
+                <a16:creationId xmlns:a16="http://schemas.microsoft.com/office/drawing/2014/main" id="{A45B8777-5497-4B3A-DA88-31EDF09798E9}"/>
+              </a:ext>
+            </a:extLst>
+          </p:cNvPr>
+          <p:cNvSpPr/>
+          <p:nvPr/>
+        </p:nvSpPr>
+        <p:spPr>
+          <a:xfrm>
+            <a:off x="4120179" y="1129553"/>
+            <a:ext cx="3044414" cy="2893807"/>
+          </a:xfrm>
+          <a:prstGeom prst="cloudCallout">
+            <a:avLst/>
+          </a:prstGeom>
+        </p:spPr>
+        <p:style>
+          <a:lnRef idx="2">
+            <a:schemeClr val="accent1">
+              <a:shade val="15000"/>
+            </a:schemeClr>
+          </a:lnRef>
+          <a:fillRef idx="1">
+            <a:schemeClr val="accent1"/>
+          </a:fillRef>
+          <a:effectRef idx="0">
+            <a:schemeClr val="accent1"/>
+          </a:effectRef>
+          <a:fontRef idx="minor">
+            <a:schemeClr val="lt1"/>
+          </a:fontRef>
+        </p:style>
+        <p:txBody>
+          <a:bodyPr rtlCol="0" anchor="ctr"/>
+          <a:lstStyle/>
+          <a:p>
+            <a:pPr algn="ctr"/>
+            <a:endParaRPr lang="en-US"/>
+          </a:p>
+        </p:txBody>
+      </p:sp>
+    </p:spTree>
+    <p:extLst>
+      <p:ext uri="{BB962C8B-B14F-4D97-AF65-F5344CB8AC3E}">
+        <p14:creationId xmlns:p14="http://schemas.microsoft.com/office/powerpoint/2010/main" val="3655370213"/>
       </p:ext>
     </p:extLst>
   </p:cSld>

--- a/input/shapes.pptx
+++ b/input/shapes.pptx
@@ -5,13 +5,12 @@
     <p:sldMasterId id="2147483648" r:id="rId1"/>
   </p:sldMasterIdLst>
   <p:notesMasterIdLst>
-    <p:notesMasterId r:id="rId6"/>
+    <p:notesMasterId r:id="rId5"/>
   </p:notesMasterIdLst>
   <p:sldIdLst>
     <p:sldId id="256" r:id="rId2"/>
     <p:sldId id="257" r:id="rId3"/>
     <p:sldId id="258" r:id="rId4"/>
-    <p:sldId id="259" r:id="rId5"/>
   </p:sldIdLst>
   <p:sldSz cx="12192000" cy="6858000"/>
   <p:notesSz cx="6858000" cy="9144000"/>
@@ -687,7 +686,7 @@
           <a:p>
             <a:r>
               <a:rPr lang="en-US" dirty="0"/>
-              <a:t>Did you predict the next shape would be a yellow triangle?</a:t>
+              <a:t>Did you predict the next shape would be a triangle?</a:t>
             </a:r>
           </a:p>
         </p:txBody>
@@ -719,97 +718,6 @@
     <p:extLst>
       <p:ext uri="{BB962C8B-B14F-4D97-AF65-F5344CB8AC3E}">
         <p14:creationId xmlns:p14="http://schemas.microsoft.com/office/powerpoint/2010/main" val="4180521210"/>
-      </p:ext>
-    </p:extLst>
-  </p:cSld>
-  <p:clrMapOvr>
-    <a:masterClrMapping/>
-  </p:clrMapOvr>
-</p:notes>
-</file>
-
-<file path=ppt/notesSlides/notesSlide4.xml><?xml version="1.0" encoding="utf-8"?>
-<p:notes xmlns:a="http://schemas.openxmlformats.org/drawingml/2006/main" xmlns:r="http://schemas.openxmlformats.org/officeDocument/2006/relationships" xmlns:p="http://schemas.openxmlformats.org/presentationml/2006/main">
-  <p:cSld>
-    <p:spTree>
-      <p:nvGrpSpPr>
-        <p:cNvPr id="1" name=""/>
-        <p:cNvGrpSpPr/>
-        <p:nvPr/>
-      </p:nvGrpSpPr>
-      <p:grpSpPr>
-        <a:xfrm>
-          <a:off x="0" y="0"/>
-          <a:ext cx="0" cy="0"/>
-          <a:chOff x="0" y="0"/>
-          <a:chExt cx="0" cy="0"/>
-        </a:xfrm>
-      </p:grpSpPr>
-      <p:sp>
-        <p:nvSpPr>
-          <p:cNvPr id="2" name="Slide Image Placeholder 1"/>
-          <p:cNvSpPr>
-            <a:spLocks noGrp="1" noRot="1" noChangeAspect="1"/>
-          </p:cNvSpPr>
-          <p:nvPr>
-            <p:ph type="sldImg"/>
-          </p:nvPr>
-        </p:nvSpPr>
-        <p:spPr/>
-      </p:sp>
-      <p:sp>
-        <p:nvSpPr>
-          <p:cNvPr id="3" name="Notes Placeholder 2"/>
-          <p:cNvSpPr>
-            <a:spLocks noGrp="1"/>
-          </p:cNvSpPr>
-          <p:nvPr>
-            <p:ph type="body" idx="1"/>
-          </p:nvPr>
-        </p:nvSpPr>
-        <p:spPr/>
-        <p:txBody>
-          <a:bodyPr/>
-          <a:lstStyle/>
-          <a:p>
-            <a:r>
-              <a:rPr lang="en-US" dirty="0"/>
-              <a:t>Have any question? </a:t>
-            </a:r>
-            <a:r>
-              <a:rPr lang="en-US"/>
-              <a:t>Please reach out!</a:t>
-            </a:r>
-          </a:p>
-        </p:txBody>
-      </p:sp>
-      <p:sp>
-        <p:nvSpPr>
-          <p:cNvPr id="4" name="Slide Number Placeholder 3"/>
-          <p:cNvSpPr>
-            <a:spLocks noGrp="1"/>
-          </p:cNvSpPr>
-          <p:nvPr>
-            <p:ph type="sldNum" sz="quarter" idx="5"/>
-          </p:nvPr>
-        </p:nvSpPr>
-        <p:spPr/>
-        <p:txBody>
-          <a:bodyPr/>
-          <a:lstStyle/>
-          <a:p>
-            <a:fld id="{68D8A56D-57E7-4451-A268-8025FB9ABA7E}" type="slidenum">
-              <a:rPr lang="en-US" smtClean="0"/>
-              <a:t>4</a:t>
-            </a:fld>
-            <a:endParaRPr lang="en-US"/>
-          </a:p>
-        </p:txBody>
-      </p:sp>
-    </p:spTree>
-    <p:extLst>
-      <p:ext uri="{BB962C8B-B14F-4D97-AF65-F5344CB8AC3E}">
-        <p14:creationId xmlns:p14="http://schemas.microsoft.com/office/powerpoint/2010/main" val="1726525311"/>
       </p:ext>
     </p:extLst>
   </p:cSld>
@@ -4356,7 +4264,7 @@
             <a:avLst/>
           </a:prstGeom>
           <a:solidFill>
-            <a:srgbClr val="FFFF00"/>
+            <a:schemeClr val="accent1"/>
           </a:solidFill>
         </p:spPr>
         <p:style>
@@ -4388,132 +4296,6 @@
     <p:extLst>
       <p:ext uri="{BB962C8B-B14F-4D97-AF65-F5344CB8AC3E}">
         <p14:creationId xmlns:p14="http://schemas.microsoft.com/office/powerpoint/2010/main" val="1569219947"/>
-      </p:ext>
-    </p:extLst>
-  </p:cSld>
-  <p:clrMapOvr>
-    <a:masterClrMapping/>
-  </p:clrMapOvr>
-</p:sld>
-</file>
-
-<file path=ppt/slides/slide4.xml><?xml version="1.0" encoding="utf-8"?>
-<p:sld xmlns:a="http://schemas.openxmlformats.org/drawingml/2006/main" xmlns:r="http://schemas.openxmlformats.org/officeDocument/2006/relationships" xmlns:p="http://schemas.openxmlformats.org/presentationml/2006/main">
-  <p:cSld>
-    <p:spTree>
-      <p:nvGrpSpPr>
-        <p:cNvPr id="1" name=""/>
-        <p:cNvGrpSpPr/>
-        <p:nvPr/>
-      </p:nvGrpSpPr>
-      <p:grpSpPr>
-        <a:xfrm>
-          <a:off x="0" y="0"/>
-          <a:ext cx="0" cy="0"/>
-          <a:chOff x="0" y="0"/>
-          <a:chExt cx="0" cy="0"/>
-        </a:xfrm>
-      </p:grpSpPr>
-      <p:sp>
-        <p:nvSpPr>
-          <p:cNvPr id="2" name="Title 1">
-            <a:extLst>
-              <a:ext uri="{FF2B5EF4-FFF2-40B4-BE49-F238E27FC236}">
-                <a16:creationId xmlns:a16="http://schemas.microsoft.com/office/drawing/2014/main" id="{0E2D91D4-9FCA-D4CF-2E76-D9ADA88CD338}"/>
-              </a:ext>
-            </a:extLst>
-          </p:cNvPr>
-          <p:cNvSpPr>
-            <a:spLocks noGrp="1"/>
-          </p:cNvSpPr>
-          <p:nvPr>
-            <p:ph type="title"/>
-          </p:nvPr>
-        </p:nvSpPr>
-        <p:spPr/>
-        <p:txBody>
-          <a:bodyPr/>
-          <a:lstStyle/>
-          <a:p>
-            <a:endParaRPr lang="en-US"/>
-          </a:p>
-        </p:txBody>
-      </p:sp>
-      <p:sp>
-        <p:nvSpPr>
-          <p:cNvPr id="3" name="Content Placeholder 2">
-            <a:extLst>
-              <a:ext uri="{FF2B5EF4-FFF2-40B4-BE49-F238E27FC236}">
-                <a16:creationId xmlns:a16="http://schemas.microsoft.com/office/drawing/2014/main" id="{3252C236-DDA4-4690-4543-B8FCCDECC105}"/>
-              </a:ext>
-            </a:extLst>
-          </p:cNvPr>
-          <p:cNvSpPr>
-            <a:spLocks noGrp="1"/>
-          </p:cNvSpPr>
-          <p:nvPr>
-            <p:ph idx="1"/>
-          </p:nvPr>
-        </p:nvSpPr>
-        <p:spPr/>
-        <p:txBody>
-          <a:bodyPr/>
-          <a:lstStyle/>
-          <a:p>
-            <a:endParaRPr lang="en-US"/>
-          </a:p>
-        </p:txBody>
-      </p:sp>
-      <p:sp>
-        <p:nvSpPr>
-          <p:cNvPr id="4" name="Thought Bubble: Cloud 3">
-            <a:extLst>
-              <a:ext uri="{FF2B5EF4-FFF2-40B4-BE49-F238E27FC236}">
-                <a16:creationId xmlns:a16="http://schemas.microsoft.com/office/drawing/2014/main" id="{A45B8777-5497-4B3A-DA88-31EDF09798E9}"/>
-              </a:ext>
-            </a:extLst>
-          </p:cNvPr>
-          <p:cNvSpPr/>
-          <p:nvPr/>
-        </p:nvSpPr>
-        <p:spPr>
-          <a:xfrm>
-            <a:off x="4120179" y="1129553"/>
-            <a:ext cx="3044414" cy="2893807"/>
-          </a:xfrm>
-          <a:prstGeom prst="cloudCallout">
-            <a:avLst/>
-          </a:prstGeom>
-        </p:spPr>
-        <p:style>
-          <a:lnRef idx="2">
-            <a:schemeClr val="accent1">
-              <a:shade val="15000"/>
-            </a:schemeClr>
-          </a:lnRef>
-          <a:fillRef idx="1">
-            <a:schemeClr val="accent1"/>
-          </a:fillRef>
-          <a:effectRef idx="0">
-            <a:schemeClr val="accent1"/>
-          </a:effectRef>
-          <a:fontRef idx="minor">
-            <a:schemeClr val="lt1"/>
-          </a:fontRef>
-        </p:style>
-        <p:txBody>
-          <a:bodyPr rtlCol="0" anchor="ctr"/>
-          <a:lstStyle/>
-          <a:p>
-            <a:pPr algn="ctr"/>
-            <a:endParaRPr lang="en-US"/>
-          </a:p>
-        </p:txBody>
-      </p:sp>
-    </p:spTree>
-    <p:extLst>
-      <p:ext uri="{BB962C8B-B14F-4D97-AF65-F5344CB8AC3E}">
-        <p14:creationId xmlns:p14="http://schemas.microsoft.com/office/powerpoint/2010/main" val="3655370213"/>
       </p:ext>
     </p:extLst>
   </p:cSld>

--- a/input/shapes.pptx
+++ b/input/shapes.pptx
@@ -5,12 +5,13 @@
     <p:sldMasterId id="2147483648" r:id="rId1"/>
   </p:sldMasterIdLst>
   <p:notesMasterIdLst>
-    <p:notesMasterId r:id="rId5"/>
+    <p:notesMasterId r:id="rId6"/>
   </p:notesMasterIdLst>
   <p:sldIdLst>
     <p:sldId id="256" r:id="rId2"/>
     <p:sldId id="257" r:id="rId3"/>
     <p:sldId id="258" r:id="rId4"/>
+    <p:sldId id="259" r:id="rId5"/>
   </p:sldIdLst>
   <p:sldSz cx="12192000" cy="6858000"/>
   <p:notesSz cx="6858000" cy="9144000"/>
@@ -686,7 +687,7 @@
           <a:p>
             <a:r>
               <a:rPr lang="en-US" dirty="0"/>
-              <a:t>Did you predict the next shape would be a triangle?</a:t>
+              <a:t>Did you predict the next shape would be a yellow triangle?</a:t>
             </a:r>
           </a:p>
         </p:txBody>
@@ -718,6 +719,93 @@
     <p:extLst>
       <p:ext uri="{BB962C8B-B14F-4D97-AF65-F5344CB8AC3E}">
         <p14:creationId xmlns:p14="http://schemas.microsoft.com/office/powerpoint/2010/main" val="4180521210"/>
+      </p:ext>
+    </p:extLst>
+  </p:cSld>
+  <p:clrMapOvr>
+    <a:masterClrMapping/>
+  </p:clrMapOvr>
+</p:notes>
+</file>
+
+<file path=ppt/notesSlides/notesSlide4.xml><?xml version="1.0" encoding="utf-8"?>
+<p:notes xmlns:a="http://schemas.openxmlformats.org/drawingml/2006/main" xmlns:r="http://schemas.openxmlformats.org/officeDocument/2006/relationships" xmlns:p="http://schemas.openxmlformats.org/presentationml/2006/main">
+  <p:cSld>
+    <p:spTree>
+      <p:nvGrpSpPr>
+        <p:cNvPr id="1" name=""/>
+        <p:cNvGrpSpPr/>
+        <p:nvPr/>
+      </p:nvGrpSpPr>
+      <p:grpSpPr>
+        <a:xfrm>
+          <a:off x="0" y="0"/>
+          <a:ext cx="0" cy="0"/>
+          <a:chOff x="0" y="0"/>
+          <a:chExt cx="0" cy="0"/>
+        </a:xfrm>
+      </p:grpSpPr>
+      <p:sp>
+        <p:nvSpPr>
+          <p:cNvPr id="2" name="Slide Image Placeholder 1"/>
+          <p:cNvSpPr>
+            <a:spLocks noGrp="1" noRot="1" noChangeAspect="1"/>
+          </p:cNvSpPr>
+          <p:nvPr>
+            <p:ph type="sldImg"/>
+          </p:nvPr>
+        </p:nvSpPr>
+        <p:spPr/>
+      </p:sp>
+      <p:sp>
+        <p:nvSpPr>
+          <p:cNvPr id="3" name="Notes Placeholder 2"/>
+          <p:cNvSpPr>
+            <a:spLocks noGrp="1"/>
+          </p:cNvSpPr>
+          <p:nvPr>
+            <p:ph type="body" idx="1"/>
+          </p:nvPr>
+        </p:nvSpPr>
+        <p:spPr/>
+        <p:txBody>
+          <a:bodyPr/>
+          <a:lstStyle/>
+          <a:p>
+            <a:r>
+              <a:rPr lang="en-US" dirty="0"/>
+              <a:t>Have any questions? Please reach out!</a:t>
+            </a:r>
+          </a:p>
+        </p:txBody>
+      </p:sp>
+      <p:sp>
+        <p:nvSpPr>
+          <p:cNvPr id="4" name="Slide Number Placeholder 3"/>
+          <p:cNvSpPr>
+            <a:spLocks noGrp="1"/>
+          </p:cNvSpPr>
+          <p:nvPr>
+            <p:ph type="sldNum" sz="quarter" idx="5"/>
+          </p:nvPr>
+        </p:nvSpPr>
+        <p:spPr/>
+        <p:txBody>
+          <a:bodyPr/>
+          <a:lstStyle/>
+          <a:p>
+            <a:fld id="{68D8A56D-57E7-4451-A268-8025FB9ABA7E}" type="slidenum">
+              <a:rPr lang="en-US" smtClean="0"/>
+              <a:t>4</a:t>
+            </a:fld>
+            <a:endParaRPr lang="en-US"/>
+          </a:p>
+        </p:txBody>
+      </p:sp>
+    </p:spTree>
+    <p:extLst>
+      <p:ext uri="{BB962C8B-B14F-4D97-AF65-F5344CB8AC3E}">
+        <p14:creationId xmlns:p14="http://schemas.microsoft.com/office/powerpoint/2010/main" val="1973175621"/>
       </p:ext>
     </p:extLst>
   </p:cSld>
@@ -4264,7 +4352,7 @@
             <a:avLst/>
           </a:prstGeom>
           <a:solidFill>
-            <a:schemeClr val="accent1"/>
+            <a:srgbClr val="FFFF00"/>
           </a:solidFill>
         </p:spPr>
         <p:style>
@@ -4296,6 +4384,132 @@
     <p:extLst>
       <p:ext uri="{BB962C8B-B14F-4D97-AF65-F5344CB8AC3E}">
         <p14:creationId xmlns:p14="http://schemas.microsoft.com/office/powerpoint/2010/main" val="1569219947"/>
+      </p:ext>
+    </p:extLst>
+  </p:cSld>
+  <p:clrMapOvr>
+    <a:masterClrMapping/>
+  </p:clrMapOvr>
+</p:sld>
+</file>
+
+<file path=ppt/slides/slide4.xml><?xml version="1.0" encoding="utf-8"?>
+<p:sld xmlns:a="http://schemas.openxmlformats.org/drawingml/2006/main" xmlns:r="http://schemas.openxmlformats.org/officeDocument/2006/relationships" xmlns:p="http://schemas.openxmlformats.org/presentationml/2006/main">
+  <p:cSld>
+    <p:spTree>
+      <p:nvGrpSpPr>
+        <p:cNvPr id="1" name=""/>
+        <p:cNvGrpSpPr/>
+        <p:nvPr/>
+      </p:nvGrpSpPr>
+      <p:grpSpPr>
+        <a:xfrm>
+          <a:off x="0" y="0"/>
+          <a:ext cx="0" cy="0"/>
+          <a:chOff x="0" y="0"/>
+          <a:chExt cx="0" cy="0"/>
+        </a:xfrm>
+      </p:grpSpPr>
+      <p:sp>
+        <p:nvSpPr>
+          <p:cNvPr id="2" name="Title 1">
+            <a:extLst>
+              <a:ext uri="{FF2B5EF4-FFF2-40B4-BE49-F238E27FC236}">
+                <a16:creationId xmlns:a16="http://schemas.microsoft.com/office/drawing/2014/main" id="{BF644BAE-AC76-6751-BB35-907F5A5F9C9E}"/>
+              </a:ext>
+            </a:extLst>
+          </p:cNvPr>
+          <p:cNvSpPr>
+            <a:spLocks noGrp="1"/>
+          </p:cNvSpPr>
+          <p:nvPr>
+            <p:ph type="title"/>
+          </p:nvPr>
+        </p:nvSpPr>
+        <p:spPr/>
+        <p:txBody>
+          <a:bodyPr/>
+          <a:lstStyle/>
+          <a:p>
+            <a:endParaRPr lang="en-US"/>
+          </a:p>
+        </p:txBody>
+      </p:sp>
+      <p:sp>
+        <p:nvSpPr>
+          <p:cNvPr id="3" name="Content Placeholder 2">
+            <a:extLst>
+              <a:ext uri="{FF2B5EF4-FFF2-40B4-BE49-F238E27FC236}">
+                <a16:creationId xmlns:a16="http://schemas.microsoft.com/office/drawing/2014/main" id="{AE2F5E3C-EA5E-4C17-B7C5-1AA26BD6EFF9}"/>
+              </a:ext>
+            </a:extLst>
+          </p:cNvPr>
+          <p:cNvSpPr>
+            <a:spLocks noGrp="1"/>
+          </p:cNvSpPr>
+          <p:nvPr>
+            <p:ph idx="1"/>
+          </p:nvPr>
+        </p:nvSpPr>
+        <p:spPr/>
+        <p:txBody>
+          <a:bodyPr/>
+          <a:lstStyle/>
+          <a:p>
+            <a:endParaRPr lang="en-US"/>
+          </a:p>
+        </p:txBody>
+      </p:sp>
+      <p:sp>
+        <p:nvSpPr>
+          <p:cNvPr id="4" name="Thought Bubble: Cloud 3">
+            <a:extLst>
+              <a:ext uri="{FF2B5EF4-FFF2-40B4-BE49-F238E27FC236}">
+                <a16:creationId xmlns:a16="http://schemas.microsoft.com/office/drawing/2014/main" id="{69427ADD-A241-0BFC-7832-76B9BE9579F7}"/>
+              </a:ext>
+            </a:extLst>
+          </p:cNvPr>
+          <p:cNvSpPr/>
+          <p:nvPr/>
+        </p:nvSpPr>
+        <p:spPr>
+          <a:xfrm>
+            <a:off x="4528969" y="1387736"/>
+            <a:ext cx="4066391" cy="2474259"/>
+          </a:xfrm>
+          <a:prstGeom prst="cloudCallout">
+            <a:avLst/>
+          </a:prstGeom>
+        </p:spPr>
+        <p:style>
+          <a:lnRef idx="2">
+            <a:schemeClr val="accent1">
+              <a:shade val="15000"/>
+            </a:schemeClr>
+          </a:lnRef>
+          <a:fillRef idx="1">
+            <a:schemeClr val="accent1"/>
+          </a:fillRef>
+          <a:effectRef idx="0">
+            <a:schemeClr val="accent1"/>
+          </a:effectRef>
+          <a:fontRef idx="minor">
+            <a:schemeClr val="lt1"/>
+          </a:fontRef>
+        </p:style>
+        <p:txBody>
+          <a:bodyPr rtlCol="0" anchor="ctr"/>
+          <a:lstStyle/>
+          <a:p>
+            <a:pPr algn="ctr"/>
+            <a:endParaRPr lang="en-US"/>
+          </a:p>
+        </p:txBody>
+      </p:sp>
+    </p:spTree>
+    <p:extLst>
+      <p:ext uri="{BB962C8B-B14F-4D97-AF65-F5344CB8AC3E}">
+        <p14:creationId xmlns:p14="http://schemas.microsoft.com/office/powerpoint/2010/main" val="2939391591"/>
       </p:ext>
     </p:extLst>
   </p:cSld>

--- a/input/shapes.pptx
+++ b/input/shapes.pptx
@@ -5,12 +5,13 @@
     <p:sldMasterId id="2147483648" r:id="rId1"/>
   </p:sldMasterIdLst>
   <p:notesMasterIdLst>
-    <p:notesMasterId r:id="rId5"/>
+    <p:notesMasterId r:id="rId6"/>
   </p:notesMasterIdLst>
   <p:sldIdLst>
     <p:sldId id="256" r:id="rId2"/>
     <p:sldId id="257" r:id="rId3"/>
     <p:sldId id="258" r:id="rId4"/>
+    <p:sldId id="259" r:id="rId5"/>
   </p:sldIdLst>
   <p:sldSz cx="12192000" cy="6858000"/>
   <p:notesSz cx="6858000" cy="9144000"/>
@@ -718,6 +719,97 @@
     <p:extLst>
       <p:ext uri="{BB962C8B-B14F-4D97-AF65-F5344CB8AC3E}">
         <p14:creationId xmlns:p14="http://schemas.microsoft.com/office/powerpoint/2010/main" val="4180521210"/>
+      </p:ext>
+    </p:extLst>
+  </p:cSld>
+  <p:clrMapOvr>
+    <a:masterClrMapping/>
+  </p:clrMapOvr>
+</p:notes>
+</file>
+
+<file path=ppt/notesSlides/notesSlide4.xml><?xml version="1.0" encoding="utf-8"?>
+<p:notes xmlns:a="http://schemas.openxmlformats.org/drawingml/2006/main" xmlns:r="http://schemas.openxmlformats.org/officeDocument/2006/relationships" xmlns:p="http://schemas.openxmlformats.org/presentationml/2006/main">
+  <p:cSld>
+    <p:spTree>
+      <p:nvGrpSpPr>
+        <p:cNvPr id="1" name=""/>
+        <p:cNvGrpSpPr/>
+        <p:nvPr/>
+      </p:nvGrpSpPr>
+      <p:grpSpPr>
+        <a:xfrm>
+          <a:off x="0" y="0"/>
+          <a:ext cx="0" cy="0"/>
+          <a:chOff x="0" y="0"/>
+          <a:chExt cx="0" cy="0"/>
+        </a:xfrm>
+      </p:grpSpPr>
+      <p:sp>
+        <p:nvSpPr>
+          <p:cNvPr id="2" name="Slide Image Placeholder 1"/>
+          <p:cNvSpPr>
+            <a:spLocks noGrp="1" noRot="1" noChangeAspect="1"/>
+          </p:cNvSpPr>
+          <p:nvPr>
+            <p:ph type="sldImg"/>
+          </p:nvPr>
+        </p:nvSpPr>
+        <p:spPr/>
+      </p:sp>
+      <p:sp>
+        <p:nvSpPr>
+          <p:cNvPr id="3" name="Notes Placeholder 2"/>
+          <p:cNvSpPr>
+            <a:spLocks noGrp="1"/>
+          </p:cNvSpPr>
+          <p:nvPr>
+            <p:ph type="body" idx="1"/>
+          </p:nvPr>
+        </p:nvSpPr>
+        <p:spPr/>
+        <p:txBody>
+          <a:bodyPr/>
+          <a:lstStyle/>
+          <a:p>
+            <a:r>
+              <a:rPr lang="en-US" dirty="0"/>
+              <a:t>Have any questions? Reach out for </a:t>
+            </a:r>
+            <a:r>
+              <a:rPr lang="en-US"/>
+              <a:t>a consultation!</a:t>
+            </a:r>
+          </a:p>
+        </p:txBody>
+      </p:sp>
+      <p:sp>
+        <p:nvSpPr>
+          <p:cNvPr id="4" name="Slide Number Placeholder 3"/>
+          <p:cNvSpPr>
+            <a:spLocks noGrp="1"/>
+          </p:cNvSpPr>
+          <p:nvPr>
+            <p:ph type="sldNum" sz="quarter" idx="5"/>
+          </p:nvPr>
+        </p:nvSpPr>
+        <p:spPr/>
+        <p:txBody>
+          <a:bodyPr/>
+          <a:lstStyle/>
+          <a:p>
+            <a:fld id="{68D8A56D-57E7-4451-A268-8025FB9ABA7E}" type="slidenum">
+              <a:rPr lang="en-US" smtClean="0"/>
+              <a:t>4</a:t>
+            </a:fld>
+            <a:endParaRPr lang="en-US"/>
+          </a:p>
+        </p:txBody>
+      </p:sp>
+    </p:spTree>
+    <p:extLst>
+      <p:ext uri="{BB962C8B-B14F-4D97-AF65-F5344CB8AC3E}">
+        <p14:creationId xmlns:p14="http://schemas.microsoft.com/office/powerpoint/2010/main" val="1317171422"/>
       </p:ext>
     </p:extLst>
   </p:cSld>
@@ -4005,7 +4097,7 @@
         </p:nvSpPr>
         <p:spPr>
           <a:xfrm>
-            <a:off x="3968677" y="1199115"/>
+            <a:off x="3807313" y="1199115"/>
             <a:ext cx="4939747" cy="4621696"/>
           </a:xfrm>
           <a:prstGeom prst="rect">
@@ -4264,7 +4356,7 @@
             <a:avLst/>
           </a:prstGeom>
           <a:solidFill>
-            <a:schemeClr val="accent1"/>
+            <a:srgbClr val="FFFF00"/>
           </a:solidFill>
         </p:spPr>
         <p:style>
@@ -4296,6 +4388,132 @@
     <p:extLst>
       <p:ext uri="{BB962C8B-B14F-4D97-AF65-F5344CB8AC3E}">
         <p14:creationId xmlns:p14="http://schemas.microsoft.com/office/powerpoint/2010/main" val="1569219947"/>
+      </p:ext>
+    </p:extLst>
+  </p:cSld>
+  <p:clrMapOvr>
+    <a:masterClrMapping/>
+  </p:clrMapOvr>
+</p:sld>
+</file>
+
+<file path=ppt/slides/slide4.xml><?xml version="1.0" encoding="utf-8"?>
+<p:sld xmlns:a="http://schemas.openxmlformats.org/drawingml/2006/main" xmlns:r="http://schemas.openxmlformats.org/officeDocument/2006/relationships" xmlns:p="http://schemas.openxmlformats.org/presentationml/2006/main">
+  <p:cSld>
+    <p:spTree>
+      <p:nvGrpSpPr>
+        <p:cNvPr id="1" name=""/>
+        <p:cNvGrpSpPr/>
+        <p:nvPr/>
+      </p:nvGrpSpPr>
+      <p:grpSpPr>
+        <a:xfrm>
+          <a:off x="0" y="0"/>
+          <a:ext cx="0" cy="0"/>
+          <a:chOff x="0" y="0"/>
+          <a:chExt cx="0" cy="0"/>
+        </a:xfrm>
+      </p:grpSpPr>
+      <p:sp>
+        <p:nvSpPr>
+          <p:cNvPr id="2" name="Title 1">
+            <a:extLst>
+              <a:ext uri="{FF2B5EF4-FFF2-40B4-BE49-F238E27FC236}">
+                <a16:creationId xmlns:a16="http://schemas.microsoft.com/office/drawing/2014/main" id="{6E8162CF-6396-81A1-66AD-C83645ED0B06}"/>
+              </a:ext>
+            </a:extLst>
+          </p:cNvPr>
+          <p:cNvSpPr>
+            <a:spLocks noGrp="1"/>
+          </p:cNvSpPr>
+          <p:nvPr>
+            <p:ph type="title"/>
+          </p:nvPr>
+        </p:nvSpPr>
+        <p:spPr/>
+        <p:txBody>
+          <a:bodyPr/>
+          <a:lstStyle/>
+          <a:p>
+            <a:endParaRPr lang="en-US"/>
+          </a:p>
+        </p:txBody>
+      </p:sp>
+      <p:sp>
+        <p:nvSpPr>
+          <p:cNvPr id="3" name="Content Placeholder 2">
+            <a:extLst>
+              <a:ext uri="{FF2B5EF4-FFF2-40B4-BE49-F238E27FC236}">
+                <a16:creationId xmlns:a16="http://schemas.microsoft.com/office/drawing/2014/main" id="{6199672E-EFCA-2FF7-8583-9698E626F6A2}"/>
+              </a:ext>
+            </a:extLst>
+          </p:cNvPr>
+          <p:cNvSpPr>
+            <a:spLocks noGrp="1"/>
+          </p:cNvSpPr>
+          <p:nvPr>
+            <p:ph idx="1"/>
+          </p:nvPr>
+        </p:nvSpPr>
+        <p:spPr/>
+        <p:txBody>
+          <a:bodyPr/>
+          <a:lstStyle/>
+          <a:p>
+            <a:endParaRPr lang="en-US"/>
+          </a:p>
+        </p:txBody>
+      </p:sp>
+      <p:sp>
+        <p:nvSpPr>
+          <p:cNvPr id="4" name="Thought Bubble: Cloud 3">
+            <a:extLst>
+              <a:ext uri="{FF2B5EF4-FFF2-40B4-BE49-F238E27FC236}">
+                <a16:creationId xmlns:a16="http://schemas.microsoft.com/office/drawing/2014/main" id="{711D102D-6CE7-4924-EC77-CDD80A9C89E6}"/>
+              </a:ext>
+            </a:extLst>
+          </p:cNvPr>
+          <p:cNvSpPr/>
+          <p:nvPr/>
+        </p:nvSpPr>
+        <p:spPr>
+          <a:xfrm>
+            <a:off x="4690334" y="1226372"/>
+            <a:ext cx="2775473" cy="2807746"/>
+          </a:xfrm>
+          <a:prstGeom prst="cloudCallout">
+            <a:avLst/>
+          </a:prstGeom>
+        </p:spPr>
+        <p:style>
+          <a:lnRef idx="2">
+            <a:schemeClr val="accent1">
+              <a:shade val="15000"/>
+            </a:schemeClr>
+          </a:lnRef>
+          <a:fillRef idx="1">
+            <a:schemeClr val="accent1"/>
+          </a:fillRef>
+          <a:effectRef idx="0">
+            <a:schemeClr val="accent1"/>
+          </a:effectRef>
+          <a:fontRef idx="minor">
+            <a:schemeClr val="lt1"/>
+          </a:fontRef>
+        </p:style>
+        <p:txBody>
+          <a:bodyPr rtlCol="0" anchor="ctr"/>
+          <a:lstStyle/>
+          <a:p>
+            <a:pPr algn="ctr"/>
+            <a:endParaRPr lang="en-US"/>
+          </a:p>
+        </p:txBody>
+      </p:sp>
+    </p:spTree>
+    <p:extLst>
+      <p:ext uri="{BB962C8B-B14F-4D97-AF65-F5344CB8AC3E}">
+        <p14:creationId xmlns:p14="http://schemas.microsoft.com/office/powerpoint/2010/main" val="2758787678"/>
       </p:ext>
     </p:extLst>
   </p:cSld>

--- a/input/shapes.pptx
+++ b/input/shapes.pptx
@@ -5,13 +5,12 @@
     <p:sldMasterId id="2147483648" r:id="rId1"/>
   </p:sldMasterIdLst>
   <p:notesMasterIdLst>
-    <p:notesMasterId r:id="rId6"/>
+    <p:notesMasterId r:id="rId5"/>
   </p:notesMasterIdLst>
   <p:sldIdLst>
     <p:sldId id="256" r:id="rId2"/>
     <p:sldId id="257" r:id="rId3"/>
     <p:sldId id="258" r:id="rId4"/>
-    <p:sldId id="259" r:id="rId5"/>
   </p:sldIdLst>
   <p:sldSz cx="12192000" cy="6858000"/>
   <p:notesSz cx="6858000" cy="9144000"/>
@@ -200,7 +199,7 @@
           <a:p>
             <a:fld id="{277CFCE7-5604-4297-BF00-76C43D50AE14}" type="datetimeFigureOut">
               <a:rPr lang="en-US" smtClean="0"/>
-              <a:t>4/2/2025</a:t>
+              <a:t>4/3/2025</a:t>
             </a:fld>
             <a:endParaRPr lang="en-US"/>
           </a:p>
@@ -728,97 +727,6 @@
 </p:notes>
 </file>
 
-<file path=ppt/notesSlides/notesSlide4.xml><?xml version="1.0" encoding="utf-8"?>
-<p:notes xmlns:a="http://schemas.openxmlformats.org/drawingml/2006/main" xmlns:r="http://schemas.openxmlformats.org/officeDocument/2006/relationships" xmlns:p="http://schemas.openxmlformats.org/presentationml/2006/main">
-  <p:cSld>
-    <p:spTree>
-      <p:nvGrpSpPr>
-        <p:cNvPr id="1" name=""/>
-        <p:cNvGrpSpPr/>
-        <p:nvPr/>
-      </p:nvGrpSpPr>
-      <p:grpSpPr>
-        <a:xfrm>
-          <a:off x="0" y="0"/>
-          <a:ext cx="0" cy="0"/>
-          <a:chOff x="0" y="0"/>
-          <a:chExt cx="0" cy="0"/>
-        </a:xfrm>
-      </p:grpSpPr>
-      <p:sp>
-        <p:nvSpPr>
-          <p:cNvPr id="2" name="Slide Image Placeholder 1"/>
-          <p:cNvSpPr>
-            <a:spLocks noGrp="1" noRot="1" noChangeAspect="1"/>
-          </p:cNvSpPr>
-          <p:nvPr>
-            <p:ph type="sldImg"/>
-          </p:nvPr>
-        </p:nvSpPr>
-        <p:spPr/>
-      </p:sp>
-      <p:sp>
-        <p:nvSpPr>
-          <p:cNvPr id="3" name="Notes Placeholder 2"/>
-          <p:cNvSpPr>
-            <a:spLocks noGrp="1"/>
-          </p:cNvSpPr>
-          <p:nvPr>
-            <p:ph type="body" idx="1"/>
-          </p:nvPr>
-        </p:nvSpPr>
-        <p:spPr/>
-        <p:txBody>
-          <a:bodyPr/>
-          <a:lstStyle/>
-          <a:p>
-            <a:r>
-              <a:rPr lang="en-US" dirty="0"/>
-              <a:t>Have any questions? Reach out for </a:t>
-            </a:r>
-            <a:r>
-              <a:rPr lang="en-US"/>
-              <a:t>a consultation!</a:t>
-            </a:r>
-          </a:p>
-        </p:txBody>
-      </p:sp>
-      <p:sp>
-        <p:nvSpPr>
-          <p:cNvPr id="4" name="Slide Number Placeholder 3"/>
-          <p:cNvSpPr>
-            <a:spLocks noGrp="1"/>
-          </p:cNvSpPr>
-          <p:nvPr>
-            <p:ph type="sldNum" sz="quarter" idx="5"/>
-          </p:nvPr>
-        </p:nvSpPr>
-        <p:spPr/>
-        <p:txBody>
-          <a:bodyPr/>
-          <a:lstStyle/>
-          <a:p>
-            <a:fld id="{68D8A56D-57E7-4451-A268-8025FB9ABA7E}" type="slidenum">
-              <a:rPr lang="en-US" smtClean="0"/>
-              <a:t>4</a:t>
-            </a:fld>
-            <a:endParaRPr lang="en-US"/>
-          </a:p>
-        </p:txBody>
-      </p:sp>
-    </p:spTree>
-    <p:extLst>
-      <p:ext uri="{BB962C8B-B14F-4D97-AF65-F5344CB8AC3E}">
-        <p14:creationId xmlns:p14="http://schemas.microsoft.com/office/powerpoint/2010/main" val="1317171422"/>
-      </p:ext>
-    </p:extLst>
-  </p:cSld>
-  <p:clrMapOvr>
-    <a:masterClrMapping/>
-  </p:clrMapOvr>
-</p:notes>
-</file>
-
 <file path=ppt/slideLayouts/slideLayout1.xml><?xml version="1.0" encoding="utf-8"?>
 <p:sldLayout xmlns:a="http://schemas.openxmlformats.org/drawingml/2006/main" xmlns:r="http://schemas.openxmlformats.org/officeDocument/2006/relationships" xmlns:p="http://schemas.openxmlformats.org/presentationml/2006/main" type="title" preserve="1">
   <p:cSld name="Title Slide">
@@ -966,7 +874,7 @@
           <a:p>
             <a:fld id="{1BC7F21A-5F68-41B2-9D03-CFD36A63BC6D}" type="datetimeFigureOut">
               <a:rPr lang="en-US" smtClean="0"/>
-              <a:t>4/2/2025</a:t>
+              <a:t>4/3/2025</a:t>
             </a:fld>
             <a:endParaRPr lang="en-US"/>
           </a:p>
@@ -1164,7 +1072,7 @@
           <a:p>
             <a:fld id="{1BC7F21A-5F68-41B2-9D03-CFD36A63BC6D}" type="datetimeFigureOut">
               <a:rPr lang="en-US" smtClean="0"/>
-              <a:t>4/2/2025</a:t>
+              <a:t>4/3/2025</a:t>
             </a:fld>
             <a:endParaRPr lang="en-US"/>
           </a:p>
@@ -1372,7 +1280,7 @@
           <a:p>
             <a:fld id="{1BC7F21A-5F68-41B2-9D03-CFD36A63BC6D}" type="datetimeFigureOut">
               <a:rPr lang="en-US" smtClean="0"/>
-              <a:t>4/2/2025</a:t>
+              <a:t>4/3/2025</a:t>
             </a:fld>
             <a:endParaRPr lang="en-US"/>
           </a:p>
@@ -1570,7 +1478,7 @@
           <a:p>
             <a:fld id="{1BC7F21A-5F68-41B2-9D03-CFD36A63BC6D}" type="datetimeFigureOut">
               <a:rPr lang="en-US" smtClean="0"/>
-              <a:t>4/2/2025</a:t>
+              <a:t>4/3/2025</a:t>
             </a:fld>
             <a:endParaRPr lang="en-US"/>
           </a:p>
@@ -1845,7 +1753,7 @@
           <a:p>
             <a:fld id="{1BC7F21A-5F68-41B2-9D03-CFD36A63BC6D}" type="datetimeFigureOut">
               <a:rPr lang="en-US" smtClean="0"/>
-              <a:t>4/2/2025</a:t>
+              <a:t>4/3/2025</a:t>
             </a:fld>
             <a:endParaRPr lang="en-US"/>
           </a:p>
@@ -2110,7 +2018,7 @@
           <a:p>
             <a:fld id="{1BC7F21A-5F68-41B2-9D03-CFD36A63BC6D}" type="datetimeFigureOut">
               <a:rPr lang="en-US" smtClean="0"/>
-              <a:t>4/2/2025</a:t>
+              <a:t>4/3/2025</a:t>
             </a:fld>
             <a:endParaRPr lang="en-US"/>
           </a:p>
@@ -2522,7 +2430,7 @@
           <a:p>
             <a:fld id="{1BC7F21A-5F68-41B2-9D03-CFD36A63BC6D}" type="datetimeFigureOut">
               <a:rPr lang="en-US" smtClean="0"/>
-              <a:t>4/2/2025</a:t>
+              <a:t>4/3/2025</a:t>
             </a:fld>
             <a:endParaRPr lang="en-US"/>
           </a:p>
@@ -2663,7 +2571,7 @@
           <a:p>
             <a:fld id="{1BC7F21A-5F68-41B2-9D03-CFD36A63BC6D}" type="datetimeFigureOut">
               <a:rPr lang="en-US" smtClean="0"/>
-              <a:t>4/2/2025</a:t>
+              <a:t>4/3/2025</a:t>
             </a:fld>
             <a:endParaRPr lang="en-US"/>
           </a:p>
@@ -2776,7 +2684,7 @@
           <a:p>
             <a:fld id="{1BC7F21A-5F68-41B2-9D03-CFD36A63BC6D}" type="datetimeFigureOut">
               <a:rPr lang="en-US" smtClean="0"/>
-              <a:t>4/2/2025</a:t>
+              <a:t>4/3/2025</a:t>
             </a:fld>
             <a:endParaRPr lang="en-US"/>
           </a:p>
@@ -3087,7 +2995,7 @@
           <a:p>
             <a:fld id="{1BC7F21A-5F68-41B2-9D03-CFD36A63BC6D}" type="datetimeFigureOut">
               <a:rPr lang="en-US" smtClean="0"/>
-              <a:t>4/2/2025</a:t>
+              <a:t>4/3/2025</a:t>
             </a:fld>
             <a:endParaRPr lang="en-US"/>
           </a:p>
@@ -3375,7 +3283,7 @@
           <a:p>
             <a:fld id="{1BC7F21A-5F68-41B2-9D03-CFD36A63BC6D}" type="datetimeFigureOut">
               <a:rPr lang="en-US" smtClean="0"/>
-              <a:t>4/2/2025</a:t>
+              <a:t>4/3/2025</a:t>
             </a:fld>
             <a:endParaRPr lang="en-US"/>
           </a:p>
@@ -3616,7 +3524,7 @@
           <a:p>
             <a:fld id="{1BC7F21A-5F68-41B2-9D03-CFD36A63BC6D}" type="datetimeFigureOut">
               <a:rPr lang="en-US" smtClean="0"/>
-              <a:t>4/2/2025</a:t>
+              <a:t>4/3/2025</a:t>
             </a:fld>
             <a:endParaRPr lang="en-US"/>
           </a:p>
@@ -4097,7 +4005,7 @@
         </p:nvSpPr>
         <p:spPr>
           <a:xfrm>
-            <a:off x="3807313" y="1199115"/>
+            <a:off x="3626126" y="1106153"/>
             <a:ext cx="4939747" cy="4621696"/>
           </a:xfrm>
           <a:prstGeom prst="rect">
@@ -4356,7 +4264,7 @@
             <a:avLst/>
           </a:prstGeom>
           <a:solidFill>
-            <a:srgbClr val="FFFF00"/>
+            <a:schemeClr val="accent1"/>
           </a:solidFill>
         </p:spPr>
         <p:style>
@@ -4388,132 +4296,6 @@
     <p:extLst>
       <p:ext uri="{BB962C8B-B14F-4D97-AF65-F5344CB8AC3E}">
         <p14:creationId xmlns:p14="http://schemas.microsoft.com/office/powerpoint/2010/main" val="1569219947"/>
-      </p:ext>
-    </p:extLst>
-  </p:cSld>
-  <p:clrMapOvr>
-    <a:masterClrMapping/>
-  </p:clrMapOvr>
-</p:sld>
-</file>
-
-<file path=ppt/slides/slide4.xml><?xml version="1.0" encoding="utf-8"?>
-<p:sld xmlns:a="http://schemas.openxmlformats.org/drawingml/2006/main" xmlns:r="http://schemas.openxmlformats.org/officeDocument/2006/relationships" xmlns:p="http://schemas.openxmlformats.org/presentationml/2006/main">
-  <p:cSld>
-    <p:spTree>
-      <p:nvGrpSpPr>
-        <p:cNvPr id="1" name=""/>
-        <p:cNvGrpSpPr/>
-        <p:nvPr/>
-      </p:nvGrpSpPr>
-      <p:grpSpPr>
-        <a:xfrm>
-          <a:off x="0" y="0"/>
-          <a:ext cx="0" cy="0"/>
-          <a:chOff x="0" y="0"/>
-          <a:chExt cx="0" cy="0"/>
-        </a:xfrm>
-      </p:grpSpPr>
-      <p:sp>
-        <p:nvSpPr>
-          <p:cNvPr id="2" name="Title 1">
-            <a:extLst>
-              <a:ext uri="{FF2B5EF4-FFF2-40B4-BE49-F238E27FC236}">
-                <a16:creationId xmlns:a16="http://schemas.microsoft.com/office/drawing/2014/main" id="{6E8162CF-6396-81A1-66AD-C83645ED0B06}"/>
-              </a:ext>
-            </a:extLst>
-          </p:cNvPr>
-          <p:cNvSpPr>
-            <a:spLocks noGrp="1"/>
-          </p:cNvSpPr>
-          <p:nvPr>
-            <p:ph type="title"/>
-          </p:nvPr>
-        </p:nvSpPr>
-        <p:spPr/>
-        <p:txBody>
-          <a:bodyPr/>
-          <a:lstStyle/>
-          <a:p>
-            <a:endParaRPr lang="en-US"/>
-          </a:p>
-        </p:txBody>
-      </p:sp>
-      <p:sp>
-        <p:nvSpPr>
-          <p:cNvPr id="3" name="Content Placeholder 2">
-            <a:extLst>
-              <a:ext uri="{FF2B5EF4-FFF2-40B4-BE49-F238E27FC236}">
-                <a16:creationId xmlns:a16="http://schemas.microsoft.com/office/drawing/2014/main" id="{6199672E-EFCA-2FF7-8583-9698E626F6A2}"/>
-              </a:ext>
-            </a:extLst>
-          </p:cNvPr>
-          <p:cNvSpPr>
-            <a:spLocks noGrp="1"/>
-          </p:cNvSpPr>
-          <p:nvPr>
-            <p:ph idx="1"/>
-          </p:nvPr>
-        </p:nvSpPr>
-        <p:spPr/>
-        <p:txBody>
-          <a:bodyPr/>
-          <a:lstStyle/>
-          <a:p>
-            <a:endParaRPr lang="en-US"/>
-          </a:p>
-        </p:txBody>
-      </p:sp>
-      <p:sp>
-        <p:nvSpPr>
-          <p:cNvPr id="4" name="Thought Bubble: Cloud 3">
-            <a:extLst>
-              <a:ext uri="{FF2B5EF4-FFF2-40B4-BE49-F238E27FC236}">
-                <a16:creationId xmlns:a16="http://schemas.microsoft.com/office/drawing/2014/main" id="{711D102D-6CE7-4924-EC77-CDD80A9C89E6}"/>
-              </a:ext>
-            </a:extLst>
-          </p:cNvPr>
-          <p:cNvSpPr/>
-          <p:nvPr/>
-        </p:nvSpPr>
-        <p:spPr>
-          <a:xfrm>
-            <a:off x="4690334" y="1226372"/>
-            <a:ext cx="2775473" cy="2807746"/>
-          </a:xfrm>
-          <a:prstGeom prst="cloudCallout">
-            <a:avLst/>
-          </a:prstGeom>
-        </p:spPr>
-        <p:style>
-          <a:lnRef idx="2">
-            <a:schemeClr val="accent1">
-              <a:shade val="15000"/>
-            </a:schemeClr>
-          </a:lnRef>
-          <a:fillRef idx="1">
-            <a:schemeClr val="accent1"/>
-          </a:fillRef>
-          <a:effectRef idx="0">
-            <a:schemeClr val="accent1"/>
-          </a:effectRef>
-          <a:fontRef idx="minor">
-            <a:schemeClr val="lt1"/>
-          </a:fontRef>
-        </p:style>
-        <p:txBody>
-          <a:bodyPr rtlCol="0" anchor="ctr"/>
-          <a:lstStyle/>
-          <a:p>
-            <a:pPr algn="ctr"/>
-            <a:endParaRPr lang="en-US"/>
-          </a:p>
-        </p:txBody>
-      </p:sp>
-    </p:spTree>
-    <p:extLst>
-      <p:ext uri="{BB962C8B-B14F-4D97-AF65-F5344CB8AC3E}">
-        <p14:creationId xmlns:p14="http://schemas.microsoft.com/office/powerpoint/2010/main" val="2758787678"/>
       </p:ext>
     </p:extLst>
   </p:cSld>
